--- a/meterials/slides/ch02-serve- and-domain-name.pptx
+++ b/meterials/slides/ch02-serve- and-domain-name.pptx
@@ -9,10 +9,10 @@
     <p:sldMasterId id="2147483691" r:id="rId5"/>
   </p:sldMasterIdLst>
   <p:notesMasterIdLst>
-    <p:notesMasterId r:id="rId28"/>
+    <p:notesMasterId r:id="rId30"/>
   </p:notesMasterIdLst>
   <p:handoutMasterIdLst>
-    <p:handoutMasterId r:id="rId29"/>
+    <p:handoutMasterId r:id="rId31"/>
   </p:handoutMasterIdLst>
   <p:sldIdLst>
     <p:sldId id="257" r:id="rId6"/>
@@ -36,12 +36,14 @@
     <p:sldId id="449" r:id="rId24"/>
     <p:sldId id="450" r:id="rId25"/>
     <p:sldId id="425" r:id="rId26"/>
-    <p:sldId id="311" r:id="rId27"/>
+    <p:sldId id="460" r:id="rId27"/>
+    <p:sldId id="461" r:id="rId28"/>
+    <p:sldId id="311" r:id="rId29"/>
   </p:sldIdLst>
   <p:sldSz cx="12192000" cy="6858000"/>
   <p:notesSz cx="6858000" cy="9144000"/>
   <p:custDataLst>
-    <p:tags r:id="rId30"/>
+    <p:tags r:id="rId32"/>
   </p:custDataLst>
   <p:defaultTextStyle>
     <a:defPPr>
@@ -186,6 +188,10 @@
 </p:cmAuthorLst>
 </file>
 
+<file path=ppt/revisionInfo.xml><?xml version="1.0" encoding="utf-8"?>
+<p1510:revInfo xmlns:a="http://schemas.openxmlformats.org/drawingml/2006/main" xmlns:r="http://schemas.openxmlformats.org/officeDocument/2006/relationships" xmlns:p1510="http://schemas.microsoft.com/office/powerpoint/2015/10/main"/>
+</file>
+
 <file path=ppt/handoutMasters/handoutMaster1.xml><?xml version="1.0" encoding="utf-8"?>
 <p:handoutMaster xmlns:a="http://schemas.openxmlformats.org/drawingml/2006/main" xmlns:r="http://schemas.openxmlformats.org/officeDocument/2006/relationships" xmlns:p="http://schemas.openxmlformats.org/presentationml/2006/main">
   <p:cSld>
@@ -268,7 +274,7 @@
           <a:p>
             <a:fld id="{2B71C804-97F5-4B36-A7AC-EEEC7F44F6C2}" type="datetimeFigureOut">
               <a:rPr lang="zh-CN" altLang="en-US" smtClean="0"/>
-              <a:t>2017/7/19</a:t>
+              <a:t>2017/9/7</a:t>
             </a:fld>
             <a:endParaRPr lang="zh-CN" altLang="en-US"/>
           </a:p>
@@ -434,7 +440,7 @@
           <a:p>
             <a:fld id="{0568D9C6-D8DC-4CC3-8480-E0C4DBA1CC07}" type="datetimeFigureOut">
               <a:rPr lang="zh-CN" altLang="en-US" smtClean="0"/>
-              <a:t>2017/7/19</a:t>
+              <a:t>2017/9/7</a:t>
             </a:fld>
             <a:endParaRPr lang="zh-CN" altLang="en-US"/>
           </a:p>
@@ -955,6 +961,174 @@
 </file>
 
 <file path=ppt/notesSlides/notesSlide4.xml><?xml version="1.0" encoding="utf-8"?>
+<p:notes xmlns:a="http://schemas.openxmlformats.org/drawingml/2006/main" xmlns:r="http://schemas.openxmlformats.org/officeDocument/2006/relationships" xmlns:p="http://schemas.openxmlformats.org/presentationml/2006/main">
+  <p:cSld>
+    <p:spTree>
+      <p:nvGrpSpPr>
+        <p:cNvPr id="1" name=""/>
+        <p:cNvGrpSpPr/>
+        <p:nvPr/>
+      </p:nvGrpSpPr>
+      <p:grpSpPr>
+        <a:xfrm>
+          <a:off x="0" y="0"/>
+          <a:ext cx="0" cy="0"/>
+          <a:chOff x="0" y="0"/>
+          <a:chExt cx="0" cy="0"/>
+        </a:xfrm>
+      </p:grpSpPr>
+      <p:sp>
+        <p:nvSpPr>
+          <p:cNvPr id="2" name="幻灯片图像占位符 1"/>
+          <p:cNvSpPr>
+            <a:spLocks noGrp="1" noRot="1" noChangeAspect="1"/>
+          </p:cNvSpPr>
+          <p:nvPr>
+            <p:ph type="sldImg"/>
+          </p:nvPr>
+        </p:nvSpPr>
+        <p:spPr/>
+      </p:sp>
+      <p:sp>
+        <p:nvSpPr>
+          <p:cNvPr id="3" name="备注占位符 2"/>
+          <p:cNvSpPr>
+            <a:spLocks noGrp="1"/>
+          </p:cNvSpPr>
+          <p:nvPr>
+            <p:ph type="body" idx="1"/>
+          </p:nvPr>
+        </p:nvSpPr>
+        <p:spPr/>
+        <p:txBody>
+          <a:bodyPr/>
+          <a:lstStyle/>
+          <a:p>
+            <a:endParaRPr lang="zh-CN" altLang="en-US" dirty="0"/>
+          </a:p>
+        </p:txBody>
+      </p:sp>
+      <p:sp>
+        <p:nvSpPr>
+          <p:cNvPr id="4" name="灯片编号占位符 3"/>
+          <p:cNvSpPr>
+            <a:spLocks noGrp="1"/>
+          </p:cNvSpPr>
+          <p:nvPr>
+            <p:ph type="sldNum" sz="quarter" idx="10"/>
+          </p:nvPr>
+        </p:nvSpPr>
+        <p:spPr/>
+        <p:txBody>
+          <a:bodyPr/>
+          <a:lstStyle/>
+          <a:p>
+            <a:fld id="{10E9C519-C3B1-4654-8EF9-A227F461FE5A}" type="slidenum">
+              <a:rPr lang="zh-CN" altLang="en-US" smtClean="0"/>
+              <a:t>22</a:t>
+            </a:fld>
+            <a:endParaRPr lang="zh-CN" altLang="en-US"/>
+          </a:p>
+        </p:txBody>
+      </p:sp>
+    </p:spTree>
+    <p:extLst>
+      <p:ext uri="{BB962C8B-B14F-4D97-AF65-F5344CB8AC3E}">
+        <p14:creationId xmlns:p14="http://schemas.microsoft.com/office/powerpoint/2010/main" val="3045550463"/>
+      </p:ext>
+    </p:extLst>
+  </p:cSld>
+  <p:clrMapOvr>
+    <a:masterClrMapping/>
+  </p:clrMapOvr>
+</p:notes>
+</file>
+
+<file path=ppt/notesSlides/notesSlide5.xml><?xml version="1.0" encoding="utf-8"?>
+<p:notes xmlns:a="http://schemas.openxmlformats.org/drawingml/2006/main" xmlns:r="http://schemas.openxmlformats.org/officeDocument/2006/relationships" xmlns:p="http://schemas.openxmlformats.org/presentationml/2006/main">
+  <p:cSld>
+    <p:spTree>
+      <p:nvGrpSpPr>
+        <p:cNvPr id="1" name=""/>
+        <p:cNvGrpSpPr/>
+        <p:nvPr/>
+      </p:nvGrpSpPr>
+      <p:grpSpPr>
+        <a:xfrm>
+          <a:off x="0" y="0"/>
+          <a:ext cx="0" cy="0"/>
+          <a:chOff x="0" y="0"/>
+          <a:chExt cx="0" cy="0"/>
+        </a:xfrm>
+      </p:grpSpPr>
+      <p:sp>
+        <p:nvSpPr>
+          <p:cNvPr id="2" name="幻灯片图像占位符 1"/>
+          <p:cNvSpPr>
+            <a:spLocks noGrp="1" noRot="1" noChangeAspect="1"/>
+          </p:cNvSpPr>
+          <p:nvPr>
+            <p:ph type="sldImg"/>
+          </p:nvPr>
+        </p:nvSpPr>
+        <p:spPr/>
+      </p:sp>
+      <p:sp>
+        <p:nvSpPr>
+          <p:cNvPr id="3" name="备注占位符 2"/>
+          <p:cNvSpPr>
+            <a:spLocks noGrp="1"/>
+          </p:cNvSpPr>
+          <p:nvPr>
+            <p:ph type="body" idx="1"/>
+          </p:nvPr>
+        </p:nvSpPr>
+        <p:spPr/>
+        <p:txBody>
+          <a:bodyPr/>
+          <a:lstStyle/>
+          <a:p>
+            <a:endParaRPr lang="zh-CN" altLang="en-US" dirty="0"/>
+          </a:p>
+        </p:txBody>
+      </p:sp>
+      <p:sp>
+        <p:nvSpPr>
+          <p:cNvPr id="4" name="灯片编号占位符 3"/>
+          <p:cNvSpPr>
+            <a:spLocks noGrp="1"/>
+          </p:cNvSpPr>
+          <p:nvPr>
+            <p:ph type="sldNum" sz="quarter" idx="10"/>
+          </p:nvPr>
+        </p:nvSpPr>
+        <p:spPr/>
+        <p:txBody>
+          <a:bodyPr/>
+          <a:lstStyle/>
+          <a:p>
+            <a:fld id="{10E9C519-C3B1-4654-8EF9-A227F461FE5A}" type="slidenum">
+              <a:rPr lang="zh-CN" altLang="en-US" smtClean="0"/>
+              <a:t>23</a:t>
+            </a:fld>
+            <a:endParaRPr lang="zh-CN" altLang="en-US"/>
+          </a:p>
+        </p:txBody>
+      </p:sp>
+    </p:spTree>
+    <p:extLst>
+      <p:ext uri="{BB962C8B-B14F-4D97-AF65-F5344CB8AC3E}">
+        <p14:creationId xmlns:p14="http://schemas.microsoft.com/office/powerpoint/2010/main" val="2028311490"/>
+      </p:ext>
+    </p:extLst>
+  </p:cSld>
+  <p:clrMapOvr>
+    <a:masterClrMapping/>
+  </p:clrMapOvr>
+</p:notes>
+</file>
+
+<file path=ppt/notesSlides/notesSlide6.xml><?xml version="1.0" encoding="utf-8"?>
 <p:notes xmlns:a="http://schemas.openxmlformats.org/drawingml/2006/main" xmlns:r="http://schemas.openxmlformats.org/officeDocument/2006/relationships" xmlns:p="http://schemas.openxmlformats.org/presentationml/2006/main" showMasterSp="0">
   <p:cSld>
     <p:bg bwMode="auto">
@@ -1197,7 +1371,7 @@
                 <a:ea typeface="宋体" charset="-122"/>
               </a:rPr>
               <a:pPr algn="r" eaLnBrk="1" hangingPunct="1"/>
-              <a:t>22</a:t>
+              <a:t>24</a:t>
             </a:fld>
             <a:endParaRPr lang="zh-CN" altLang="en-US" sz="1200">
               <a:latin typeface="Calibri" pitchFamily="34" charset="0"/>
@@ -1299,7 +1473,7 @@
           <a:p>
             <a:fld id="{DB9D664F-4C68-42D2-B189-678958EFAFDA}" type="datetime1">
               <a:rPr lang="zh-CN" altLang="en-US" smtClean="0"/>
-              <a:t>2017/7/19</a:t>
+              <a:t>2017/9/7</a:t>
             </a:fld>
             <a:endParaRPr lang="zh-CN" altLang="en-US"/>
           </a:p>
@@ -2281,7 +2455,7 @@
           <a:p>
             <a:fld id="{ED5513C8-E3A4-4D78-B249-887659A958FF}" type="datetime1">
               <a:rPr lang="en-US" altLang="zh-CN" smtClean="0"/>
-              <a:t>7/19/2017</a:t>
+              <a:t>9/7/2017</a:t>
             </a:fld>
             <a:endParaRPr lang="en-US"/>
           </a:p>
@@ -2459,7 +2633,7 @@
           <a:p>
             <a:fld id="{EBEDA52C-3EEE-4289-818C-901C0A7814FE}" type="datetime1">
               <a:rPr lang="en-US" altLang="zh-CN" smtClean="0"/>
-              <a:t>7/19/2017</a:t>
+              <a:t>9/7/2017</a:t>
             </a:fld>
             <a:endParaRPr lang="en-US"/>
           </a:p>
@@ -2713,7 +2887,7 @@
           <a:p>
             <a:fld id="{09EF5D7F-EA15-485C-85DD-8FDC010A62D4}" type="datetime1">
               <a:rPr lang="en-US" altLang="zh-CN" smtClean="0"/>
-              <a:t>7/19/2017</a:t>
+              <a:t>9/7/2017</a:t>
             </a:fld>
             <a:endParaRPr lang="en-US"/>
           </a:p>
@@ -2953,7 +3127,7 @@
           <a:p>
             <a:fld id="{9541C2B2-0BAB-4CD4-83EE-25F1A7138896}" type="datetime1">
               <a:rPr lang="en-US" altLang="zh-CN" smtClean="0"/>
-              <a:t>7/19/2017</a:t>
+              <a:t>9/7/2017</a:t>
             </a:fld>
             <a:endParaRPr lang="en-US"/>
           </a:p>
@@ -3328,7 +3502,7 @@
           <a:p>
             <a:fld id="{7DEA23E7-D0FC-41DC-8745-BE6FC447B182}" type="datetime1">
               <a:rPr lang="en-US" altLang="zh-CN" smtClean="0"/>
-              <a:t>7/19/2017</a:t>
+              <a:t>9/7/2017</a:t>
             </a:fld>
             <a:endParaRPr lang="en-US"/>
           </a:p>
@@ -4113,7 +4287,7 @@
           <a:p>
             <a:fld id="{5DEA8378-5F33-490B-8120-8DE6B7EE2781}" type="datetime1">
               <a:rPr lang="en-US" altLang="zh-CN" smtClean="0"/>
-              <a:t>7/19/2017</a:t>
+              <a:t>9/7/2017</a:t>
             </a:fld>
             <a:endParaRPr lang="en-US"/>
           </a:p>
@@ -4367,7 +4541,7 @@
           <a:p>
             <a:fld id="{38DD30CF-78A7-4C73-91B4-38D3E3317745}" type="datetime1">
               <a:rPr lang="en-US" altLang="zh-CN" smtClean="0"/>
-              <a:t>7/19/2017</a:t>
+              <a:t>9/7/2017</a:t>
             </a:fld>
             <a:endParaRPr lang="en-US"/>
           </a:p>
@@ -4470,7 +4644,7 @@
           <a:p>
             <a:fld id="{A1BE0A72-8501-4974-A7B7-5BD248ABBAFC}" type="datetime1">
               <a:rPr lang="zh-CN" altLang="en-US" smtClean="0"/>
-              <a:t>2017/7/19</a:t>
+              <a:t>2017/9/7</a:t>
             </a:fld>
             <a:endParaRPr lang="zh-CN" altLang="en-US"/>
           </a:p>
@@ -4731,7 +4905,7 @@
           <a:p>
             <a:fld id="{0B7E01DD-16D0-4DBA-9C1A-51468BA0B73A}" type="datetime1">
               <a:rPr lang="en-US" altLang="zh-CN" smtClean="0"/>
-              <a:t>7/19/2017</a:t>
+              <a:t>9/7/2017</a:t>
             </a:fld>
             <a:endParaRPr lang="en-US"/>
           </a:p>
@@ -4909,7 +5083,7 @@
           <a:p>
             <a:fld id="{B587E63F-0E62-4A50-901F-E071D77F7634}" type="datetime1">
               <a:rPr lang="en-US" altLang="zh-CN" smtClean="0"/>
-              <a:t>7/19/2017</a:t>
+              <a:t>9/7/2017</a:t>
             </a:fld>
             <a:endParaRPr lang="en-US"/>
           </a:p>
@@ -5097,7 +5271,7 @@
           <a:p>
             <a:fld id="{BD8521E8-9297-400B-AD8C-0A4D05699D33}" type="datetime1">
               <a:rPr lang="en-US" altLang="zh-CN" smtClean="0"/>
-              <a:t>7/19/2017</a:t>
+              <a:t>9/7/2017</a:t>
             </a:fld>
             <a:endParaRPr lang="en-US"/>
           </a:p>
@@ -5328,7 +5502,7 @@
           <a:p>
             <a:fld id="{ED5513C8-E3A4-4D78-B249-887659A958FF}" type="datetime1">
               <a:rPr lang="en-US" altLang="zh-CN" smtClean="0"/>
-              <a:t>7/19/2017</a:t>
+              <a:t>9/7/2017</a:t>
             </a:fld>
             <a:endParaRPr lang="en-US"/>
           </a:p>
@@ -5506,7 +5680,7 @@
           <a:p>
             <a:fld id="{EBEDA52C-3EEE-4289-818C-901C0A7814FE}" type="datetime1">
               <a:rPr lang="en-US" altLang="zh-CN" smtClean="0"/>
-              <a:t>7/19/2017</a:t>
+              <a:t>9/7/2017</a:t>
             </a:fld>
             <a:endParaRPr lang="en-US"/>
           </a:p>
@@ -5760,7 +5934,7 @@
           <a:p>
             <a:fld id="{09EF5D7F-EA15-485C-85DD-8FDC010A62D4}" type="datetime1">
               <a:rPr lang="en-US" altLang="zh-CN" smtClean="0"/>
-              <a:t>7/19/2017</a:t>
+              <a:t>9/7/2017</a:t>
             </a:fld>
             <a:endParaRPr lang="en-US"/>
           </a:p>
@@ -6000,7 +6174,7 @@
           <a:p>
             <a:fld id="{9541C2B2-0BAB-4CD4-83EE-25F1A7138896}" type="datetime1">
               <a:rPr lang="en-US" altLang="zh-CN" smtClean="0"/>
-              <a:t>7/19/2017</a:t>
+              <a:t>9/7/2017</a:t>
             </a:fld>
             <a:endParaRPr lang="en-US"/>
           </a:p>
@@ -6375,7 +6549,7 @@
           <a:p>
             <a:fld id="{7DEA23E7-D0FC-41DC-8745-BE6FC447B182}" type="datetime1">
               <a:rPr lang="en-US" altLang="zh-CN" smtClean="0"/>
-              <a:t>7/19/2017</a:t>
+              <a:t>9/7/2017</a:t>
             </a:fld>
             <a:endParaRPr lang="en-US"/>
           </a:p>
@@ -7160,7 +7334,7 @@
           <a:p>
             <a:fld id="{A1BE0A72-8501-4974-A7B7-5BD248ABBAFC}" type="datetime1">
               <a:rPr lang="zh-CN" altLang="en-US" smtClean="0"/>
-              <a:t>2017/7/19</a:t>
+              <a:t>2017/9/7</a:t>
             </a:fld>
             <a:endParaRPr lang="zh-CN" altLang="en-US"/>
           </a:p>
@@ -7213,7 +7387,7 @@
           <a:p>
             <a:fld id="{5DEA8378-5F33-490B-8120-8DE6B7EE2781}" type="datetime1">
               <a:rPr lang="en-US" altLang="zh-CN" smtClean="0"/>
-              <a:t>7/19/2017</a:t>
+              <a:t>9/7/2017</a:t>
             </a:fld>
             <a:endParaRPr lang="en-US"/>
           </a:p>
@@ -7467,7 +7641,7 @@
           <a:p>
             <a:fld id="{38DD30CF-78A7-4C73-91B4-38D3E3317745}" type="datetime1">
               <a:rPr lang="en-US" altLang="zh-CN" smtClean="0"/>
-              <a:t>7/19/2017</a:t>
+              <a:t>9/7/2017</a:t>
             </a:fld>
             <a:endParaRPr lang="en-US"/>
           </a:p>
@@ -7732,7 +7906,7 @@
           <a:p>
             <a:fld id="{0B7E01DD-16D0-4DBA-9C1A-51468BA0B73A}" type="datetime1">
               <a:rPr lang="en-US" altLang="zh-CN" smtClean="0"/>
-              <a:t>7/19/2017</a:t>
+              <a:t>9/7/2017</a:t>
             </a:fld>
             <a:endParaRPr lang="en-US"/>
           </a:p>
@@ -7910,7 +8084,7 @@
           <a:p>
             <a:fld id="{B587E63F-0E62-4A50-901F-E071D77F7634}" type="datetime1">
               <a:rPr lang="en-US" altLang="zh-CN" smtClean="0"/>
-              <a:t>7/19/2017</a:t>
+              <a:t>9/7/2017</a:t>
             </a:fld>
             <a:endParaRPr lang="en-US"/>
           </a:p>
@@ -8098,7 +8272,7 @@
           <a:p>
             <a:fld id="{BD8521E8-9297-400B-AD8C-0A4D05699D33}" type="datetime1">
               <a:rPr lang="en-US" altLang="zh-CN" smtClean="0"/>
-              <a:t>7/19/2017</a:t>
+              <a:t>9/7/2017</a:t>
             </a:fld>
             <a:endParaRPr lang="en-US"/>
           </a:p>
@@ -8201,7 +8375,7 @@
           <a:p>
             <a:fld id="{EF452D9C-F9EB-4417-9C3A-C876C2AF9415}" type="datetime1">
               <a:rPr lang="zh-CN" altLang="en-US" smtClean="0"/>
-              <a:t>2017/7/19</a:t>
+              <a:t>2017/9/7</a:t>
             </a:fld>
             <a:endParaRPr lang="zh-CN" altLang="en-US"/>
           </a:p>
@@ -8387,7 +8561,7 @@
           <a:p>
             <a:fld id="{2F2E9289-9B4C-49AE-BDDA-70D6EDC89D17}" type="datetime1">
               <a:rPr lang="zh-CN" altLang="en-US" smtClean="0"/>
-              <a:t>2017/7/19</a:t>
+              <a:t>2017/9/7</a:t>
             </a:fld>
             <a:endParaRPr lang="zh-CN" altLang="en-US"/>
           </a:p>
@@ -8557,7 +8731,7 @@
           <a:p>
             <a:fld id="{2F2E9289-9B4C-49AE-BDDA-70D6EDC89D17}" type="datetime1">
               <a:rPr lang="zh-CN" altLang="en-US" smtClean="0"/>
-              <a:t>2017/7/19</a:t>
+              <a:t>2017/9/7</a:t>
             </a:fld>
             <a:endParaRPr lang="zh-CN" altLang="en-US"/>
           </a:p>
@@ -8793,7 +8967,7 @@
           <a:p>
             <a:fld id="{8C5BA751-A251-47D6-8494-C134D9EBED5F}" type="datetime1">
               <a:rPr lang="zh-CN" altLang="en-US" smtClean="0"/>
-              <a:t>2017/7/19</a:t>
+              <a:t>2017/9/7</a:t>
             </a:fld>
             <a:endParaRPr lang="zh-CN" altLang="en-US"/>
           </a:p>
@@ -9149,7 +9323,7 @@
           <a:p>
             <a:fld id="{C46E2078-F302-4651-A2A2-2FC6C4E1A3F1}" type="datetime1">
               <a:rPr lang="zh-CN" altLang="en-US" smtClean="0"/>
-              <a:t>2017/7/19</a:t>
+              <a:t>2017/9/7</a:t>
             </a:fld>
             <a:endParaRPr lang="zh-CN" altLang="en-US"/>
           </a:p>
@@ -9271,7 +9445,7 @@
               <a:pPr>
                 <a:defRPr/>
               </a:pPr>
-              <a:t>2017/7/19</a:t>
+              <a:t>2017/9/7</a:t>
             </a:fld>
             <a:endParaRPr lang="zh-CN" altLang="en-US"/>
           </a:p>
@@ -9419,7 +9593,7 @@
           <a:p>
             <a:fld id="{A1BE0A72-8501-4974-A7B7-5BD248ABBAFC}" type="datetime1">
               <a:rPr lang="zh-CN" altLang="en-US" smtClean="0"/>
-              <a:t>2017/7/19</a:t>
+              <a:t>2017/9/7</a:t>
             </a:fld>
             <a:endParaRPr lang="zh-CN" altLang="en-US"/>
           </a:p>
@@ -9933,7 +10107,7 @@
           <a:p>
             <a:fld id="{A1BE0A72-8501-4974-A7B7-5BD248ABBAFC}" type="datetime1">
               <a:rPr lang="zh-CN" altLang="en-US" smtClean="0"/>
-              <a:t>2017/7/19</a:t>
+              <a:t>2017/9/7</a:t>
             </a:fld>
             <a:endParaRPr lang="zh-CN" altLang="en-US"/>
           </a:p>
@@ -10539,7 +10713,7 @@
           <a:p>
             <a:fld id="{7A78726F-0AD2-4A20-BC72-263D2D3F3A2F}" type="datetime1">
               <a:rPr lang="en-US" altLang="zh-CN" smtClean="0"/>
-              <a:t>7/19/2017</a:t>
+              <a:t>9/7/2017</a:t>
             </a:fld>
             <a:endParaRPr lang="en-US"/>
           </a:p>
@@ -11520,7 +11694,7 @@
           <a:p>
             <a:fld id="{A1BE0A72-8501-4974-A7B7-5BD248ABBAFC}" type="datetime1">
               <a:rPr lang="zh-CN" altLang="en-US" smtClean="0"/>
-              <a:t>2017/7/19</a:t>
+              <a:t>2017/9/7</a:t>
             </a:fld>
             <a:endParaRPr lang="zh-CN" altLang="en-US"/>
           </a:p>
@@ -12126,7 +12300,7 @@
           <a:p>
             <a:fld id="{7A78726F-0AD2-4A20-BC72-263D2D3F3A2F}" type="datetime1">
               <a:rPr lang="en-US" altLang="zh-CN" smtClean="0"/>
-              <a:t>7/19/2017</a:t>
+              <a:t>9/7/2017</a:t>
             </a:fld>
             <a:endParaRPr lang="en-US"/>
           </a:p>
@@ -12997,7 +13171,7 @@
           <a:lstStyle/>
           <a:p>
             <a:r>
-              <a:rPr lang="zh-CN" altLang="en-US" dirty="0" smtClean="0"/>
+              <a:rPr lang="zh-CN" altLang="en-US" dirty="0"/>
               <a:t>第</a:t>
             </a:r>
             <a:r>
@@ -13005,10 +13179,9 @@
               <a:t>2</a:t>
             </a:r>
             <a:r>
-              <a:rPr lang="zh-CN" altLang="en-US" dirty="0" smtClean="0"/>
+              <a:rPr lang="zh-CN" altLang="en-US" dirty="0"/>
               <a:t>讲 服务器空间和域名</a:t>
             </a:r>
-            <a:endParaRPr lang="zh-CN" altLang="en-US" dirty="0"/>
           </a:p>
         </p:txBody>
       </p:sp>
@@ -13061,13 +13234,6 @@
   <p:clrMapOvr>
     <a:masterClrMapping/>
   </p:clrMapOvr>
-  <p:timing>
-    <p:tnLst>
-      <p:par>
-        <p:cTn id="1" dur="indefinite" restart="never" nodeType="tmRoot"/>
-      </p:par>
-    </p:tnLst>
-  </p:timing>
 </p:sld>
 </file>
 
@@ -13104,14 +13270,13 @@
           <a:lstStyle/>
           <a:p>
             <a:r>
-              <a:rPr lang="en-US" altLang="zh-CN" dirty="0" smtClean="0"/>
+              <a:rPr lang="en-US" altLang="zh-CN" b="0" dirty="0"/>
               <a:t>VPS</a:t>
             </a:r>
             <a:r>
-              <a:rPr lang="zh-CN" altLang="en-US" dirty="0" smtClean="0"/>
+              <a:rPr lang="zh-CN" altLang="en-US" b="0" dirty="0"/>
               <a:t>主机</a:t>
             </a:r>
-            <a:endParaRPr lang="zh-CN" altLang="en-US" dirty="0"/>
           </a:p>
         </p:txBody>
       </p:sp>
@@ -13145,28 +13310,28 @@
               <a:buChar char="•"/>
             </a:pPr>
             <a:r>
-              <a:rPr lang="zh-CN" altLang="en-US" sz="2000" dirty="0" smtClean="0">
+              <a:rPr lang="zh-CN" altLang="en-US" sz="2000" dirty="0">
                 <a:latin typeface="微软雅黑" panose="020B0503020204020204" pitchFamily="34" charset="-122"/>
                 <a:ea typeface="微软雅黑" panose="020B0503020204020204" pitchFamily="34" charset="-122"/>
               </a:rPr>
               <a:t>使用虚拟机软件在一台或一组物理服务器上建立多个虚拟服务器，每个具有独立的</a:t>
             </a:r>
             <a:r>
-              <a:rPr lang="en-US" altLang="zh-CN" sz="2000" dirty="0" smtClean="0">
+              <a:rPr lang="en-US" altLang="zh-CN" sz="2000" dirty="0">
                 <a:latin typeface="微软雅黑" panose="020B0503020204020204" pitchFamily="34" charset="-122"/>
                 <a:ea typeface="微软雅黑" panose="020B0503020204020204" pitchFamily="34" charset="-122"/>
               </a:rPr>
               <a:t>IP</a:t>
             </a:r>
             <a:r>
-              <a:rPr lang="zh-CN" altLang="en-US" sz="2000" dirty="0" smtClean="0">
+              <a:rPr lang="zh-CN" altLang="en-US" sz="2000" dirty="0">
                 <a:latin typeface="微软雅黑" panose="020B0503020204020204" pitchFamily="34" charset="-122"/>
                 <a:ea typeface="微软雅黑" panose="020B0503020204020204" pitchFamily="34" charset="-122"/>
               </a:rPr>
               <a:t>地址，独立操作系统</a:t>
             </a:r>
             <a:r>
-              <a:rPr lang="en-US" altLang="zh-CN" sz="2000" dirty="0" smtClean="0">
+              <a:rPr lang="en-US" altLang="zh-CN" sz="2000" dirty="0">
                 <a:latin typeface="微软雅黑" panose="020B0503020204020204" pitchFamily="34" charset="-122"/>
                 <a:ea typeface="微软雅黑" panose="020B0503020204020204" pitchFamily="34" charset="-122"/>
               </a:rPr>
@@ -13182,20 +13347,20 @@
               <a:buChar char="•"/>
             </a:pPr>
             <a:r>
-              <a:rPr lang="en-US" altLang="zh-CN" sz="2000" dirty="0" smtClean="0">
+              <a:rPr lang="en-US" altLang="zh-CN" sz="2000" dirty="0">
                 <a:latin typeface="微软雅黑" panose="020B0503020204020204" pitchFamily="34" charset="-122"/>
                 <a:ea typeface="微软雅黑" panose="020B0503020204020204" pitchFamily="34" charset="-122"/>
               </a:rPr>
               <a:t>IP</a:t>
             </a:r>
             <a:r>
-              <a:rPr lang="zh-CN" altLang="en-US" sz="2000" dirty="0" smtClean="0">
+              <a:rPr lang="zh-CN" altLang="en-US" sz="2000" dirty="0">
                 <a:latin typeface="微软雅黑" panose="020B0503020204020204" pitchFamily="34" charset="-122"/>
                 <a:ea typeface="微软雅黑" panose="020B0503020204020204" pitchFamily="34" charset="-122"/>
               </a:rPr>
               <a:t>地址通常是独立的。</a:t>
             </a:r>
-            <a:endParaRPr lang="en-US" altLang="zh-CN" sz="2000" dirty="0" smtClean="0">
+            <a:endParaRPr lang="en-US" altLang="zh-CN" sz="2000" dirty="0">
               <a:latin typeface="微软雅黑" panose="020B0503020204020204" pitchFamily="34" charset="-122"/>
               <a:ea typeface="微软雅黑" panose="020B0503020204020204" pitchFamily="34" charset="-122"/>
             </a:endParaRPr>
@@ -13209,13 +13374,13 @@
               <a:buChar char="•"/>
             </a:pPr>
             <a:r>
-              <a:rPr lang="zh-CN" altLang="en-US" sz="2000" dirty="0" smtClean="0">
+              <a:rPr lang="zh-CN" altLang="en-US" sz="2000" dirty="0">
                 <a:latin typeface="微软雅黑" panose="020B0503020204020204" pitchFamily="34" charset="-122"/>
                 <a:ea typeface="微软雅黑" panose="020B0503020204020204" pitchFamily="34" charset="-122"/>
               </a:rPr>
               <a:t>由于是在一台或一组机器上的多个虚拟系统，所以性能会受到其他系统的影响，不稳定。</a:t>
             </a:r>
-            <a:endParaRPr lang="en-US" altLang="zh-CN" sz="2000" dirty="0" smtClean="0">
+            <a:endParaRPr lang="en-US" altLang="zh-CN" sz="2000" dirty="0">
               <a:latin typeface="微软雅黑" panose="020B0503020204020204" pitchFamily="34" charset="-122"/>
               <a:ea typeface="微软雅黑" panose="020B0503020204020204" pitchFamily="34" charset="-122"/>
             </a:endParaRPr>
@@ -13233,30 +13398,9 @@
                 <a:latin typeface="微软雅黑" panose="020B0503020204020204" pitchFamily="34" charset="-122"/>
                 <a:ea typeface="微软雅黑" panose="020B0503020204020204" pitchFamily="34" charset="-122"/>
               </a:rPr>
-              <a:t>一个</a:t>
-            </a:r>
-            <a:r>
-              <a:rPr lang="zh-CN" altLang="en-US" sz="2000" dirty="0" smtClean="0">
-                <a:latin typeface="微软雅黑" panose="020B0503020204020204" pitchFamily="34" charset="-122"/>
-                <a:ea typeface="微软雅黑" panose="020B0503020204020204" pitchFamily="34" charset="-122"/>
-              </a:rPr>
-              <a:t>系统</a:t>
-            </a:r>
-            <a:r>
-              <a:rPr lang="zh-CN" altLang="en-US" sz="2000" dirty="0">
-                <a:latin typeface="微软雅黑" panose="020B0503020204020204" pitchFamily="34" charset="-122"/>
-                <a:ea typeface="微软雅黑" panose="020B0503020204020204" pitchFamily="34" charset="-122"/>
-              </a:rPr>
-              <a:t>上</a:t>
-            </a:r>
-            <a:r>
-              <a:rPr lang="zh-CN" altLang="en-US" sz="2000" dirty="0" smtClean="0">
-                <a:latin typeface="微软雅黑" panose="020B0503020204020204" pitchFamily="34" charset="-122"/>
-                <a:ea typeface="微软雅黑" panose="020B0503020204020204" pitchFamily="34" charset="-122"/>
-              </a:rPr>
-              <a:t>的安全问题，资源占用等都会影响到其他系统。</a:t>
-            </a:r>
-            <a:endParaRPr lang="en-US" altLang="zh-CN" sz="2000" dirty="0" smtClean="0">
+              <a:t>一个系统上的安全问题，资源占用等都会影响到其他系统。</a:t>
+            </a:r>
+            <a:endParaRPr lang="en-US" altLang="zh-CN" sz="2000" dirty="0">
               <a:latin typeface="微软雅黑" panose="020B0503020204020204" pitchFamily="34" charset="-122"/>
               <a:ea typeface="微软雅黑" panose="020B0503020204020204" pitchFamily="34" charset="-122"/>
             </a:endParaRPr>
@@ -13270,13 +13414,13 @@
               <a:buChar char="•"/>
             </a:pPr>
             <a:r>
-              <a:rPr lang="zh-CN" altLang="en-US" sz="2000" smtClean="0">
+              <a:rPr lang="zh-CN" altLang="en-US" sz="2000">
                 <a:latin typeface="微软雅黑" panose="020B0503020204020204" pitchFamily="34" charset="-122"/>
                 <a:ea typeface="微软雅黑" panose="020B0503020204020204" pitchFamily="34" charset="-122"/>
               </a:rPr>
               <a:t>本地硬盘存储数据。</a:t>
             </a:r>
-            <a:endParaRPr lang="en-US" altLang="zh-CN" sz="2000" dirty="0" smtClean="0">
+            <a:endParaRPr lang="en-US" altLang="zh-CN" sz="2000" dirty="0">
               <a:latin typeface="微软雅黑" panose="020B0503020204020204" pitchFamily="34" charset="-122"/>
               <a:ea typeface="微软雅黑" panose="020B0503020204020204" pitchFamily="34" charset="-122"/>
             </a:endParaRPr>
@@ -13293,13 +13437,6 @@
   <p:clrMapOvr>
     <a:masterClrMapping/>
   </p:clrMapOvr>
-  <p:timing>
-    <p:tnLst>
-      <p:par>
-        <p:cTn id="1" dur="indefinite" restart="never" nodeType="tmRoot"/>
-      </p:par>
-    </p:tnLst>
-  </p:timing>
 </p:sld>
 </file>
 
@@ -13336,10 +13473,9 @@
           <a:lstStyle/>
           <a:p>
             <a:r>
-              <a:rPr lang="zh-CN" altLang="en-US" dirty="0" smtClean="0"/>
+              <a:rPr lang="zh-CN" altLang="en-US" b="0" dirty="0"/>
               <a:t>云主机</a:t>
             </a:r>
-            <a:endParaRPr lang="zh-CN" altLang="en-US" dirty="0"/>
           </a:p>
         </p:txBody>
       </p:sp>
@@ -13373,13 +13509,13 @@
               <a:buChar char="•"/>
             </a:pPr>
             <a:r>
-              <a:rPr lang="zh-CN" altLang="en-US" sz="2000" dirty="0" smtClean="0">
+              <a:rPr lang="zh-CN" altLang="en-US" sz="2000" dirty="0">
                 <a:latin typeface="微软雅黑" panose="020B0503020204020204" pitchFamily="34" charset="-122"/>
                 <a:ea typeface="微软雅黑" panose="020B0503020204020204" pitchFamily="34" charset="-122"/>
               </a:rPr>
               <a:t>通过集群的方式在多个服务器上虚拟出很多个独立的主机。</a:t>
             </a:r>
-            <a:endParaRPr lang="en-US" altLang="zh-CN" sz="2000" dirty="0" smtClean="0">
+            <a:endParaRPr lang="en-US" altLang="zh-CN" sz="2000" dirty="0">
               <a:latin typeface="微软雅黑" panose="020B0503020204020204" pitchFamily="34" charset="-122"/>
               <a:ea typeface="微软雅黑" panose="020B0503020204020204" pitchFamily="34" charset="-122"/>
             </a:endParaRPr>
@@ -13393,13 +13529,13 @@
               <a:buChar char="•"/>
             </a:pPr>
             <a:r>
-              <a:rPr lang="zh-CN" altLang="en-US" sz="2000" dirty="0" smtClean="0">
+              <a:rPr lang="zh-CN" altLang="en-US" sz="2000" dirty="0">
                 <a:latin typeface="微软雅黑" panose="020B0503020204020204" pitchFamily="34" charset="-122"/>
                 <a:ea typeface="微软雅黑" panose="020B0503020204020204" pitchFamily="34" charset="-122"/>
               </a:rPr>
               <a:t>可以动态升级配置。</a:t>
             </a:r>
-            <a:endParaRPr lang="en-US" altLang="zh-CN" sz="2000" dirty="0" smtClean="0">
+            <a:endParaRPr lang="en-US" altLang="zh-CN" sz="2000" dirty="0">
               <a:latin typeface="微软雅黑" panose="020B0503020204020204" pitchFamily="34" charset="-122"/>
               <a:ea typeface="微软雅黑" panose="020B0503020204020204" pitchFamily="34" charset="-122"/>
             </a:endParaRPr>
@@ -13413,13 +13549,13 @@
               <a:buChar char="•"/>
             </a:pPr>
             <a:r>
-              <a:rPr lang="zh-CN" altLang="en-US" sz="2000" dirty="0" smtClean="0">
+              <a:rPr lang="zh-CN" altLang="en-US" sz="2000" dirty="0">
                 <a:latin typeface="微软雅黑" panose="020B0503020204020204" pitchFamily="34" charset="-122"/>
                 <a:ea typeface="微软雅黑" panose="020B0503020204020204" pitchFamily="34" charset="-122"/>
               </a:rPr>
               <a:t>由于采用集群，并且使用分布式存储，可靠性更高，一台主机出问题不会影响全局。</a:t>
             </a:r>
-            <a:endParaRPr lang="en-US" altLang="zh-CN" sz="2000" dirty="0" smtClean="0">
+            <a:endParaRPr lang="en-US" altLang="zh-CN" sz="2000" dirty="0">
               <a:latin typeface="微软雅黑" panose="020B0503020204020204" pitchFamily="34" charset="-122"/>
               <a:ea typeface="微软雅黑" panose="020B0503020204020204" pitchFamily="34" charset="-122"/>
             </a:endParaRPr>
@@ -13433,13 +13569,13 @@
               <a:buChar char="•"/>
             </a:pPr>
             <a:r>
-              <a:rPr lang="zh-CN" altLang="en-US" sz="2000" dirty="0" smtClean="0">
+              <a:rPr lang="zh-CN" altLang="en-US" sz="2000" dirty="0">
                 <a:latin typeface="微软雅黑" panose="020B0503020204020204" pitchFamily="34" charset="-122"/>
                 <a:ea typeface="微软雅黑" panose="020B0503020204020204" pitchFamily="34" charset="-122"/>
               </a:rPr>
               <a:t>服务器需要升级或重启时，云主机的运行不受影响。</a:t>
             </a:r>
-            <a:endParaRPr lang="en-US" altLang="zh-CN" sz="2000" dirty="0" smtClean="0">
+            <a:endParaRPr lang="en-US" altLang="zh-CN" sz="2000" dirty="0">
               <a:latin typeface="微软雅黑" panose="020B0503020204020204" pitchFamily="34" charset="-122"/>
               <a:ea typeface="微软雅黑" panose="020B0503020204020204" pitchFamily="34" charset="-122"/>
             </a:endParaRPr>
@@ -13453,13 +13589,13 @@
               <a:buChar char="•"/>
             </a:pPr>
             <a:r>
-              <a:rPr lang="zh-CN" altLang="en-US" sz="2000" dirty="0" smtClean="0">
+              <a:rPr lang="zh-CN" altLang="en-US" sz="2000" dirty="0">
                 <a:latin typeface="微软雅黑" panose="020B0503020204020204" pitchFamily="34" charset="-122"/>
                 <a:ea typeface="微软雅黑" panose="020B0503020204020204" pitchFamily="34" charset="-122"/>
               </a:rPr>
               <a:t>具有很高的可控性，多台服务器可使用内网快速传输数据。</a:t>
             </a:r>
-            <a:endParaRPr lang="en-US" altLang="zh-CN" sz="2000" dirty="0" smtClean="0">
+            <a:endParaRPr lang="en-US" altLang="zh-CN" sz="2000" dirty="0">
               <a:latin typeface="微软雅黑" panose="020B0503020204020204" pitchFamily="34" charset="-122"/>
               <a:ea typeface="微软雅黑" panose="020B0503020204020204" pitchFamily="34" charset="-122"/>
             </a:endParaRPr>
@@ -13473,13 +13609,13 @@
               <a:buChar char="•"/>
             </a:pPr>
             <a:r>
-              <a:rPr lang="zh-CN" altLang="en-US" sz="2000" dirty="0" smtClean="0">
+              <a:rPr lang="zh-CN" altLang="en-US" sz="2000" dirty="0">
                 <a:latin typeface="微软雅黑" panose="020B0503020204020204" pitchFamily="34" charset="-122"/>
                 <a:ea typeface="微软雅黑" panose="020B0503020204020204" pitchFamily="34" charset="-122"/>
               </a:rPr>
               <a:t>适合业务相对复杂，规模较大的网站。</a:t>
             </a:r>
-            <a:endParaRPr lang="en-US" altLang="zh-CN" sz="2000" dirty="0" smtClean="0">
+            <a:endParaRPr lang="en-US" altLang="zh-CN" sz="2000" dirty="0">
               <a:latin typeface="微软雅黑" panose="020B0503020204020204" pitchFamily="34" charset="-122"/>
               <a:ea typeface="微软雅黑" panose="020B0503020204020204" pitchFamily="34" charset="-122"/>
             </a:endParaRPr>
@@ -13493,13 +13629,13 @@
               <a:buChar char="•"/>
             </a:pPr>
             <a:r>
-              <a:rPr lang="zh-CN" altLang="en-US" sz="2000" dirty="0" smtClean="0">
+              <a:rPr lang="zh-CN" altLang="en-US" sz="2000" dirty="0">
                 <a:latin typeface="微软雅黑" panose="020B0503020204020204" pitchFamily="34" charset="-122"/>
                 <a:ea typeface="微软雅黑" panose="020B0503020204020204" pitchFamily="34" charset="-122"/>
               </a:rPr>
               <a:t>网站体验更好。</a:t>
             </a:r>
-            <a:endParaRPr lang="en-US" altLang="zh-CN" sz="2000" dirty="0" smtClean="0">
+            <a:endParaRPr lang="en-US" altLang="zh-CN" sz="2000" dirty="0">
               <a:latin typeface="微软雅黑" panose="020B0503020204020204" pitchFamily="34" charset="-122"/>
               <a:ea typeface="微软雅黑" panose="020B0503020204020204" pitchFamily="34" charset="-122"/>
             </a:endParaRPr>
@@ -13522,13 +13658,6 @@
   <p:clrMapOvr>
     <a:masterClrMapping/>
   </p:clrMapOvr>
-  <p:timing>
-    <p:tnLst>
-      <p:par>
-        <p:cTn id="1" dur="indefinite" restart="never" nodeType="tmRoot"/>
-      </p:par>
-    </p:tnLst>
-  </p:timing>
 </p:sld>
 </file>
 
@@ -13565,7 +13694,7 @@
           <a:lstStyle/>
           <a:p>
             <a:r>
-              <a:rPr lang="zh-CN" altLang="en-US" dirty="0"/>
+              <a:rPr lang="zh-CN" altLang="en-US" b="0" dirty="0"/>
               <a:t>托管主机</a:t>
             </a:r>
           </a:p>
@@ -13605,30 +13734,23 @@
                 <a:latin typeface="微软雅黑" panose="020B0503020204020204" pitchFamily="34" charset="-122"/>
                 <a:ea typeface="微软雅黑" panose="020B0503020204020204" pitchFamily="34" charset="-122"/>
               </a:rPr>
-              <a:t>自身</a:t>
-            </a:r>
-            <a:r>
-              <a:rPr lang="zh-CN" altLang="en-US" sz="2000" dirty="0" smtClean="0">
-                <a:latin typeface="微软雅黑" panose="020B0503020204020204" pitchFamily="34" charset="-122"/>
-                <a:ea typeface="微软雅黑" panose="020B0503020204020204" pitchFamily="34" charset="-122"/>
-              </a:rPr>
-              <a:t>拥有服务器，放置在</a:t>
-            </a:r>
-            <a:r>
-              <a:rPr lang="en-US" altLang="zh-CN" sz="2000" dirty="0" smtClean="0">
+              <a:t>自身拥有服务器，放置在</a:t>
+            </a:r>
+            <a:r>
+              <a:rPr lang="en-US" altLang="zh-CN" sz="2000" dirty="0">
                 <a:latin typeface="微软雅黑" panose="020B0503020204020204" pitchFamily="34" charset="-122"/>
                 <a:ea typeface="微软雅黑" panose="020B0503020204020204" pitchFamily="34" charset="-122"/>
               </a:rPr>
               <a:t>IDC</a:t>
             </a:r>
             <a:r>
-              <a:rPr lang="zh-CN" altLang="en-US" sz="2000" dirty="0" smtClean="0">
+              <a:rPr lang="zh-CN" altLang="en-US" sz="2000" dirty="0">
                 <a:latin typeface="微软雅黑" panose="020B0503020204020204" pitchFamily="34" charset="-122"/>
                 <a:ea typeface="微软雅黑" panose="020B0503020204020204" pitchFamily="34" charset="-122"/>
               </a:rPr>
               <a:t>机房内，进行远程维护。</a:t>
             </a:r>
-            <a:endParaRPr lang="en-US" altLang="zh-CN" sz="2000" dirty="0" smtClean="0">
+            <a:endParaRPr lang="en-US" altLang="zh-CN" sz="2000" dirty="0">
               <a:latin typeface="微软雅黑" panose="020B0503020204020204" pitchFamily="34" charset="-122"/>
               <a:ea typeface="微软雅黑" panose="020B0503020204020204" pitchFamily="34" charset="-122"/>
             </a:endParaRPr>
@@ -13642,27 +13764,27 @@
               <a:buChar char="•"/>
             </a:pPr>
             <a:r>
-              <a:rPr lang="zh-CN" altLang="en-US" sz="2000" dirty="0" smtClean="0">
+              <a:rPr lang="zh-CN" altLang="en-US" sz="2000" dirty="0">
                 <a:latin typeface="微软雅黑" panose="020B0503020204020204" pitchFamily="34" charset="-122"/>
                 <a:ea typeface="微软雅黑" panose="020B0503020204020204" pitchFamily="34" charset="-122"/>
               </a:rPr>
               <a:t>利用</a:t>
             </a:r>
             <a:r>
-              <a:rPr lang="en-US" altLang="zh-CN" sz="2000" dirty="0" smtClean="0">
+              <a:rPr lang="en-US" altLang="zh-CN" sz="2000" dirty="0">
                 <a:latin typeface="微软雅黑" panose="020B0503020204020204" pitchFamily="34" charset="-122"/>
                 <a:ea typeface="微软雅黑" panose="020B0503020204020204" pitchFamily="34" charset="-122"/>
               </a:rPr>
               <a:t>IDC</a:t>
             </a:r>
             <a:r>
-              <a:rPr lang="zh-CN" altLang="en-US" sz="2000" dirty="0" smtClean="0">
+              <a:rPr lang="zh-CN" altLang="en-US" sz="2000" dirty="0">
                 <a:latin typeface="微软雅黑" panose="020B0503020204020204" pitchFamily="34" charset="-122"/>
                 <a:ea typeface="微软雅黑" panose="020B0503020204020204" pitchFamily="34" charset="-122"/>
               </a:rPr>
               <a:t>机房的环境和资源，保证服务器正常运转。</a:t>
             </a:r>
-            <a:endParaRPr lang="en-US" altLang="zh-CN" sz="2000" dirty="0" smtClean="0">
+            <a:endParaRPr lang="en-US" altLang="zh-CN" sz="2000" dirty="0">
               <a:latin typeface="微软雅黑" panose="020B0503020204020204" pitchFamily="34" charset="-122"/>
               <a:ea typeface="微软雅黑" panose="020B0503020204020204" pitchFamily="34" charset="-122"/>
             </a:endParaRPr>
@@ -13676,13 +13798,13 @@
               <a:buChar char="•"/>
             </a:pPr>
             <a:r>
-              <a:rPr lang="zh-CN" altLang="en-US" sz="2000" dirty="0" smtClean="0">
+              <a:rPr lang="zh-CN" altLang="en-US" sz="2000" dirty="0">
                 <a:latin typeface="微软雅黑" panose="020B0503020204020204" pitchFamily="34" charset="-122"/>
                 <a:ea typeface="微软雅黑" panose="020B0503020204020204" pitchFamily="34" charset="-122"/>
               </a:rPr>
               <a:t>成本相对较高。</a:t>
             </a:r>
-            <a:endParaRPr lang="en-US" altLang="zh-CN" sz="2000" dirty="0" smtClean="0">
+            <a:endParaRPr lang="en-US" altLang="zh-CN" sz="2000" dirty="0">
               <a:latin typeface="微软雅黑" panose="020B0503020204020204" pitchFamily="34" charset="-122"/>
               <a:ea typeface="微软雅黑" panose="020B0503020204020204" pitchFamily="34" charset="-122"/>
             </a:endParaRPr>
@@ -13700,16 +13822,9 @@
                 <a:latin typeface="微软雅黑" panose="020B0503020204020204" pitchFamily="34" charset="-122"/>
                 <a:ea typeface="微软雅黑" panose="020B0503020204020204" pitchFamily="34" charset="-122"/>
               </a:rPr>
-              <a:t>对</a:t>
-            </a:r>
-            <a:r>
-              <a:rPr lang="zh-CN" altLang="en-US" sz="2000" dirty="0" smtClean="0">
-                <a:latin typeface="微软雅黑" panose="020B0503020204020204" pitchFamily="34" charset="-122"/>
-                <a:ea typeface="微软雅黑" panose="020B0503020204020204" pitchFamily="34" charset="-122"/>
-              </a:rPr>
-              <a:t>技术要求更高。</a:t>
-            </a:r>
-            <a:endParaRPr lang="en-US" altLang="zh-CN" sz="2000" dirty="0" smtClean="0">
+              <a:t>对技术要求更高。</a:t>
+            </a:r>
+            <a:endParaRPr lang="en-US" altLang="zh-CN" sz="2000" dirty="0">
               <a:latin typeface="微软雅黑" panose="020B0503020204020204" pitchFamily="34" charset="-122"/>
               <a:ea typeface="微软雅黑" panose="020B0503020204020204" pitchFamily="34" charset="-122"/>
             </a:endParaRPr>
@@ -13726,13 +13841,6 @@
   <p:clrMapOvr>
     <a:masterClrMapping/>
   </p:clrMapOvr>
-  <p:timing>
-    <p:tnLst>
-      <p:par>
-        <p:cTn id="1" dur="indefinite" restart="never" nodeType="tmRoot"/>
-      </p:par>
-    </p:tnLst>
-  </p:timing>
 </p:sld>
 </file>
 
@@ -13769,14 +13877,13 @@
           <a:lstStyle/>
           <a:p>
             <a:r>
-              <a:rPr lang="en-US" altLang="zh-CN" dirty="0" smtClean="0"/>
+              <a:rPr lang="en-US" altLang="zh-CN" dirty="0"/>
               <a:t>IDC</a:t>
             </a:r>
             <a:r>
-              <a:rPr lang="zh-CN" altLang="en-US" dirty="0" smtClean="0"/>
+              <a:rPr lang="zh-CN" altLang="en-US" dirty="0"/>
               <a:t>机房图片</a:t>
             </a:r>
-            <a:endParaRPr lang="zh-CN" altLang="en-US" dirty="0"/>
           </a:p>
         </p:txBody>
       </p:sp>
@@ -13820,13 +13927,6 @@
   <p:clrMapOvr>
     <a:masterClrMapping/>
   </p:clrMapOvr>
-  <p:timing>
-    <p:tnLst>
-      <p:par>
-        <p:cTn id="1" dur="indefinite" restart="never" nodeType="tmRoot"/>
-      </p:par>
-    </p:tnLst>
-  </p:timing>
 </p:sld>
 </file>
 
@@ -13868,10 +13968,9 @@
           <a:lstStyle/>
           <a:p>
             <a:r>
-              <a:rPr lang="zh-CN" altLang="en-US" dirty="0" smtClean="0"/>
+              <a:rPr lang="zh-CN" altLang="en-US" b="0" dirty="0"/>
               <a:t>第二节 </a:t>
             </a:r>
-            <a:endParaRPr lang="zh-CN" altLang="en-US" dirty="0"/>
           </a:p>
         </p:txBody>
       </p:sp>
@@ -13947,7 +14046,7 @@
               <a:buAutoNum type="ea1JpnChsDbPeriod"/>
             </a:pPr>
             <a:r>
-              <a:rPr lang="zh-CN" altLang="en-US" sz="2800" b="1" dirty="0">
+              <a:rPr lang="zh-CN" altLang="en-US" sz="2800" dirty="0">
                 <a:solidFill>
                   <a:schemeClr val="accent6">
                     <a:lumMod val="75000"/>
@@ -13958,7 +14057,7 @@
               </a:rPr>
               <a:t>使用免费服务器空间</a:t>
             </a:r>
-            <a:endParaRPr lang="en-US" altLang="zh-CN" sz="2800" b="1" dirty="0">
+            <a:endParaRPr lang="en-US" altLang="zh-CN" sz="2800" dirty="0">
               <a:solidFill>
                 <a:schemeClr val="accent6">
                   <a:lumMod val="75000"/>
@@ -13977,7 +14076,7 @@
               <a:buAutoNum type="ea1JpnChsDbPeriod"/>
             </a:pPr>
             <a:r>
-              <a:rPr lang="zh-CN" altLang="en-US" sz="2400" dirty="0" smtClean="0">
+              <a:rPr lang="zh-CN" altLang="en-US" sz="2400" dirty="0">
                 <a:solidFill>
                   <a:schemeClr val="bg2">
                     <a:lumMod val="75000"/>
@@ -14010,13 +14109,6 @@
   <p:clrMapOvr>
     <a:masterClrMapping/>
   </p:clrMapOvr>
-  <p:timing>
-    <p:tnLst>
-      <p:par>
-        <p:cTn id="1" dur="indefinite" restart="never" nodeType="tmRoot"/>
-      </p:par>
-    </p:tnLst>
-  </p:timing>
 </p:sld>
 </file>
 
@@ -14056,7 +14148,7 @@
               <a:buNone/>
             </a:pPr>
             <a:r>
-              <a:rPr lang="zh-CN" altLang="en-US" dirty="0" smtClean="0"/>
+              <a:rPr lang="zh-CN" altLang="en-US" dirty="0"/>
               <a:t>购买阿里云或腾讯云</a:t>
             </a:r>
             <a:endParaRPr lang="en-US" altLang="zh-CN" dirty="0"/>
@@ -14064,23 +14156,23 @@
           <a:p>
             <a:pPr lvl="1"/>
             <a:r>
-              <a:rPr lang="zh-CN" altLang="en-US" dirty="0" smtClean="0"/>
+              <a:rPr lang="zh-CN" altLang="en-US" dirty="0"/>
               <a:t>使用学生证购买云虚拟主机</a:t>
             </a:r>
-            <a:endParaRPr lang="en-US" altLang="zh-CN" dirty="0" smtClean="0"/>
+            <a:endParaRPr lang="en-US" altLang="zh-CN" dirty="0"/>
           </a:p>
           <a:p>
             <a:pPr lvl="1"/>
             <a:r>
-              <a:rPr lang="zh-CN" altLang="en-US" dirty="0" smtClean="0"/>
+              <a:rPr lang="zh-CN" altLang="en-US" dirty="0"/>
               <a:t>购买域名或申请免费域名</a:t>
             </a:r>
-            <a:endParaRPr lang="en-US" altLang="zh-CN" dirty="0" smtClean="0"/>
+            <a:endParaRPr lang="en-US" altLang="zh-CN" dirty="0"/>
           </a:p>
           <a:p>
             <a:pPr lvl="1"/>
             <a:r>
-              <a:rPr lang="zh-CN" altLang="en-US" dirty="0" smtClean="0"/>
+              <a:rPr lang="zh-CN" altLang="en-US" dirty="0"/>
               <a:t>域名备案</a:t>
             </a:r>
             <a:endParaRPr lang="en-US" altLang="zh-CN" dirty="0"/>
@@ -14106,10 +14198,9 @@
           <a:lstStyle/>
           <a:p>
             <a:r>
-              <a:rPr lang="zh-CN" altLang="en-US" dirty="0" smtClean="0"/>
+              <a:rPr lang="zh-CN" altLang="en-US" b="0" dirty="0"/>
               <a:t>购买服务器和域名</a:t>
             </a:r>
-            <a:endParaRPr lang="zh-CN" altLang="en-US" dirty="0"/>
           </a:p>
         </p:txBody>
       </p:sp>
@@ -14123,13 +14214,6 @@
   <p:clrMapOvr>
     <a:masterClrMapping/>
   </p:clrMapOvr>
-  <p:timing>
-    <p:tnLst>
-      <p:par>
-        <p:cTn id="1" dur="indefinite" restart="never" nodeType="tmRoot"/>
-      </p:par>
-    </p:tnLst>
-  </p:timing>
 </p:sld>
 </file>
 
@@ -14166,10 +14250,9 @@
           <a:lstStyle/>
           <a:p>
             <a:r>
-              <a:rPr lang="zh-CN" altLang="en-US" dirty="0" smtClean="0"/>
+              <a:rPr lang="zh-CN" altLang="en-US" b="0" dirty="0"/>
               <a:t>服务器管理控制台</a:t>
             </a:r>
-            <a:endParaRPr lang="zh-CN" altLang="en-US" dirty="0"/>
           </a:p>
         </p:txBody>
       </p:sp>
@@ -14213,13 +14296,6 @@
   <p:clrMapOvr>
     <a:masterClrMapping/>
   </p:clrMapOvr>
-  <p:timing>
-    <p:tnLst>
-      <p:par>
-        <p:cTn id="1" dur="indefinite" restart="never" nodeType="tmRoot"/>
-      </p:par>
-    </p:tnLst>
-  </p:timing>
 </p:sld>
 </file>
 
@@ -14256,10 +14332,9 @@
           <a:lstStyle/>
           <a:p>
             <a:r>
-              <a:rPr lang="zh-CN" altLang="en-US" dirty="0" smtClean="0"/>
+              <a:rPr lang="zh-CN" altLang="en-US" b="0" dirty="0"/>
               <a:t>控制台域名管理</a:t>
             </a:r>
-            <a:endParaRPr lang="zh-CN" altLang="en-US" dirty="0"/>
           </a:p>
         </p:txBody>
       </p:sp>
@@ -14303,13 +14378,6 @@
   <p:clrMapOvr>
     <a:masterClrMapping/>
   </p:clrMapOvr>
-  <p:timing>
-    <p:tnLst>
-      <p:par>
-        <p:cTn id="1" dur="indefinite" restart="never" nodeType="tmRoot"/>
-      </p:par>
-    </p:tnLst>
-  </p:timing>
 </p:sld>
 </file>
 
@@ -14346,10 +14414,9 @@
           <a:lstStyle/>
           <a:p>
             <a:r>
-              <a:rPr lang="zh-CN" altLang="en-US" dirty="0" smtClean="0"/>
+              <a:rPr lang="zh-CN" altLang="en-US" b="0" dirty="0"/>
               <a:t>域名实名认证</a:t>
             </a:r>
-            <a:endParaRPr lang="zh-CN" altLang="en-US" dirty="0"/>
           </a:p>
         </p:txBody>
       </p:sp>
@@ -14393,13 +14460,6 @@
   <p:clrMapOvr>
     <a:masterClrMapping/>
   </p:clrMapOvr>
-  <p:timing>
-    <p:tnLst>
-      <p:par>
-        <p:cTn id="1" dur="indefinite" restart="never" nodeType="tmRoot"/>
-      </p:par>
-    </p:tnLst>
-  </p:timing>
 </p:sld>
 </file>
 
@@ -14441,10 +14501,9 @@
           <a:lstStyle/>
           <a:p>
             <a:r>
-              <a:rPr lang="zh-CN" altLang="en-US" dirty="0" smtClean="0"/>
+              <a:rPr lang="zh-CN" altLang="en-US" b="0" dirty="0"/>
               <a:t>云服务器和域名备案</a:t>
             </a:r>
-            <a:endParaRPr lang="zh-CN" altLang="en-US" dirty="0"/>
           </a:p>
         </p:txBody>
       </p:sp>
@@ -14471,16 +14530,12 @@
           <a:lstStyle/>
           <a:p>
             <a:r>
-              <a:rPr lang="zh-CN" altLang="en-US" sz="2400" dirty="0" smtClean="0">
+              <a:rPr lang="zh-CN" altLang="en-US" sz="2400" dirty="0">
                 <a:latin typeface="微软雅黑" panose="020B0503020204020204" pitchFamily="34" charset="-122"/>
                 <a:ea typeface="微软雅黑" panose="020B0503020204020204" pitchFamily="34" charset="-122"/>
               </a:rPr>
               <a:t>已有买的服务器和域名要进行备案，才可以正常使用。</a:t>
             </a:r>
-            <a:endParaRPr lang="zh-CN" altLang="en-US" sz="2400" dirty="0">
-              <a:latin typeface="微软雅黑" panose="020B0503020204020204" pitchFamily="34" charset="-122"/>
-              <a:ea typeface="微软雅黑" panose="020B0503020204020204" pitchFamily="34" charset="-122"/>
-            </a:endParaRPr>
           </a:p>
         </p:txBody>
       </p:sp>
@@ -14494,13 +14549,6 @@
   <p:clrMapOvr>
     <a:masterClrMapping/>
   </p:clrMapOvr>
-  <p:timing>
-    <p:tnLst>
-      <p:par>
-        <p:cTn id="1" dur="indefinite" restart="never" nodeType="tmRoot"/>
-      </p:par>
-    </p:tnLst>
-  </p:timing>
 </p:sld>
 </file>
 
@@ -14537,10 +14585,9 @@
           <a:lstStyle/>
           <a:p>
             <a:r>
-              <a:rPr lang="zh-CN" altLang="en-US" b="0" dirty="0" smtClean="0"/>
+              <a:rPr lang="zh-CN" altLang="en-US" b="0" dirty="0"/>
               <a:t>本次课程目录</a:t>
             </a:r>
-            <a:endParaRPr lang="zh-CN" altLang="en-US" b="0" dirty="0"/>
           </a:p>
         </p:txBody>
       </p:sp>
@@ -14574,7 +14621,7 @@
               <a:buAutoNum type="ea1JpnChsDbPeriod"/>
             </a:pPr>
             <a:r>
-              <a:rPr lang="en-US" altLang="zh-CN" sz="2800" dirty="0" smtClean="0">
+              <a:rPr lang="en-US" altLang="zh-CN" sz="2800" dirty="0">
                 <a:solidFill>
                   <a:schemeClr val="bg2">
                     <a:lumMod val="25000"/>
@@ -14586,7 +14633,7 @@
               <a:t>PHP</a:t>
             </a:r>
             <a:r>
-              <a:rPr lang="zh-CN" altLang="en-US" sz="2800" dirty="0" smtClean="0">
+              <a:rPr lang="zh-CN" altLang="en-US" sz="2800" dirty="0">
                 <a:solidFill>
                   <a:schemeClr val="bg2">
                     <a:lumMod val="25000"/>
@@ -14616,7 +14663,7 @@
               <a:buAutoNum type="ea1JpnChsDbPeriod"/>
             </a:pPr>
             <a:r>
-              <a:rPr lang="zh-CN" altLang="en-US" sz="2800" dirty="0" smtClean="0">
+              <a:rPr lang="zh-CN" altLang="en-US" sz="2800" dirty="0">
                 <a:solidFill>
                   <a:schemeClr val="bg2">
                     <a:lumMod val="25000"/>
@@ -14646,7 +14693,7 @@
               <a:buAutoNum type="ea1JpnChsDbPeriod"/>
             </a:pPr>
             <a:r>
-              <a:rPr lang="zh-CN" altLang="en-US" sz="2800" dirty="0" smtClean="0">
+              <a:rPr lang="zh-CN" altLang="en-US" sz="2800" dirty="0">
                 <a:solidFill>
                   <a:schemeClr val="bg2">
                     <a:lumMod val="25000"/>
@@ -14679,13 +14726,6 @@
   <p:clrMapOvr>
     <a:masterClrMapping/>
   </p:clrMapOvr>
-  <p:timing>
-    <p:tnLst>
-      <p:par>
-        <p:cTn id="1" dur="indefinite" restart="never" nodeType="tmRoot"/>
-      </p:par>
-    </p:tnLst>
-  </p:timing>
 </p:sld>
 </file>
 
@@ -14727,10 +14767,10 @@
           <a:lstStyle/>
           <a:p>
             <a:r>
-              <a:rPr lang="zh-CN" altLang="en-US" dirty="0" smtClean="0"/>
+              <a:rPr lang="zh-CN" altLang="en-US" b="0" dirty="0"/>
               <a:t>第三节</a:t>
             </a:r>
-            <a:endParaRPr lang="en-US" altLang="zh-CN" dirty="0"/>
+            <a:endParaRPr lang="en-US" altLang="zh-CN" b="0" dirty="0"/>
           </a:p>
           <a:p>
             <a:endParaRPr lang="zh-CN" altLang="en-US" dirty="0"/>
@@ -14809,7 +14849,7 @@
               <a:buAutoNum type="ea1JpnChsDbPeriod"/>
             </a:pPr>
             <a:r>
-              <a:rPr lang="zh-CN" altLang="en-US" sz="2400" dirty="0" smtClean="0">
+              <a:rPr lang="zh-CN" altLang="en-US" sz="2400" dirty="0">
                 <a:solidFill>
                   <a:schemeClr val="bg2">
                     <a:lumMod val="75000"/>
@@ -14839,7 +14879,7 @@
               <a:buAutoNum type="ea1JpnChsDbPeriod"/>
             </a:pPr>
             <a:r>
-              <a:rPr lang="zh-CN" altLang="en-US" sz="2800" b="1" dirty="0">
+              <a:rPr lang="zh-CN" altLang="en-US" sz="2800" dirty="0">
                 <a:solidFill>
                   <a:schemeClr val="accent6">
                     <a:lumMod val="75000"/>
@@ -14850,7 +14890,7 @@
               </a:rPr>
               <a:t>使用域名</a:t>
             </a:r>
-            <a:endParaRPr lang="en-US" altLang="zh-CN" sz="2800" b="1" dirty="0">
+            <a:endParaRPr lang="en-US" altLang="zh-CN" sz="2800" dirty="0">
               <a:solidFill>
                 <a:schemeClr val="accent6">
                   <a:lumMod val="75000"/>
@@ -14872,13 +14912,6 @@
   <p:clrMapOvr>
     <a:masterClrMapping/>
   </p:clrMapOvr>
-  <p:timing>
-    <p:tnLst>
-      <p:par>
-        <p:cTn id="1" dur="indefinite" restart="never" nodeType="tmRoot"/>
-      </p:par>
-    </p:tnLst>
-  </p:timing>
 </p:sld>
 </file>
 
@@ -14915,10 +14948,9 @@
           <a:lstStyle/>
           <a:p>
             <a:r>
-              <a:rPr lang="zh-CN" altLang="en-US" dirty="0" smtClean="0"/>
+              <a:rPr lang="zh-CN" altLang="en-US" b="0" dirty="0"/>
               <a:t>域名解析</a:t>
             </a:r>
-            <a:endParaRPr lang="zh-CN" altLang="en-US" dirty="0"/>
           </a:p>
         </p:txBody>
       </p:sp>
@@ -14962,17 +14994,381 @@
   <p:clrMapOvr>
     <a:masterClrMapping/>
   </p:clrMapOvr>
-  <p:timing>
-    <p:tnLst>
-      <p:par>
-        <p:cTn id="1" dur="indefinite" restart="never" nodeType="tmRoot"/>
-      </p:par>
-    </p:tnLst>
-  </p:timing>
 </p:sld>
 </file>
 
 <file path=ppt/slides/slide22.xml><?xml version="1.0" encoding="utf-8"?>
+<p:sld xmlns:a="http://schemas.openxmlformats.org/drawingml/2006/main" xmlns:r="http://schemas.openxmlformats.org/officeDocument/2006/relationships" xmlns:p="http://schemas.openxmlformats.org/presentationml/2006/main">
+  <p:cSld>
+    <p:spTree>
+      <p:nvGrpSpPr>
+        <p:cNvPr id="1" name=""/>
+        <p:cNvGrpSpPr/>
+        <p:nvPr/>
+      </p:nvGrpSpPr>
+      <p:grpSpPr>
+        <a:xfrm>
+          <a:off x="0" y="0"/>
+          <a:ext cx="0" cy="0"/>
+          <a:chOff x="0" y="0"/>
+          <a:chExt cx="0" cy="0"/>
+        </a:xfrm>
+      </p:grpSpPr>
+      <p:sp>
+        <p:nvSpPr>
+          <p:cNvPr id="4" name="内容占位符 3"/>
+          <p:cNvSpPr>
+            <a:spLocks noGrp="1"/>
+          </p:cNvSpPr>
+          <p:nvPr>
+            <p:ph sz="quarter" idx="15"/>
+          </p:nvPr>
+        </p:nvSpPr>
+        <p:spPr>
+          <a:xfrm>
+            <a:off x="917622" y="516340"/>
+            <a:ext cx="4254146" cy="685800"/>
+          </a:xfrm>
+        </p:spPr>
+        <p:txBody>
+          <a:bodyPr/>
+          <a:lstStyle/>
+          <a:p>
+            <a:r>
+              <a:rPr lang="en-US" altLang="zh-CN" b="0" dirty="0"/>
+              <a:t>Nginx</a:t>
+            </a:r>
+            <a:r>
+              <a:rPr lang="zh-CN" altLang="en-US" b="0" dirty="0"/>
+              <a:t>配置域名</a:t>
+            </a:r>
+          </a:p>
+        </p:txBody>
+      </p:sp>
+      <p:pic>
+        <p:nvPicPr>
+          <p:cNvPr id="5" name="图片 4">
+            <a:extLst>
+              <a:ext uri="{FF2B5EF4-FFF2-40B4-BE49-F238E27FC236}">
+                <a16:creationId xmlns:a16="http://schemas.microsoft.com/office/drawing/2014/main" id="{42A12140-A748-48E5-B387-8D49D0266DE8}"/>
+              </a:ext>
+            </a:extLst>
+          </p:cNvPr>
+          <p:cNvPicPr>
+            <a:picLocks noChangeAspect="1"/>
+          </p:cNvPicPr>
+          <p:nvPr/>
+        </p:nvPicPr>
+        <p:blipFill>
+          <a:blip r:embed="rId3">
+            <a:extLst>
+              <a:ext uri="{28A0092B-C50C-407E-A947-70E740481C1C}">
+                <a14:useLocalDpi xmlns:a14="http://schemas.microsoft.com/office/drawing/2010/main" val="0"/>
+              </a:ext>
+            </a:extLst>
+          </a:blip>
+          <a:stretch>
+            <a:fillRect/>
+          </a:stretch>
+        </p:blipFill>
+        <p:spPr>
+          <a:xfrm>
+            <a:off x="1149759" y="1768822"/>
+            <a:ext cx="6645326" cy="1967435"/>
+          </a:xfrm>
+          <a:prstGeom prst="rect">
+            <a:avLst/>
+          </a:prstGeom>
+        </p:spPr>
+      </p:pic>
+    </p:spTree>
+    <p:extLst>
+      <p:ext uri="{BB962C8B-B14F-4D97-AF65-F5344CB8AC3E}">
+        <p14:creationId xmlns:p14="http://schemas.microsoft.com/office/powerpoint/2010/main" val="3459195317"/>
+      </p:ext>
+    </p:extLst>
+  </p:cSld>
+  <p:clrMapOvr>
+    <a:masterClrMapping/>
+  </p:clrMapOvr>
+</p:sld>
+</file>
+
+<file path=ppt/slides/slide23.xml><?xml version="1.0" encoding="utf-8"?>
+<p:sld xmlns:a="http://schemas.openxmlformats.org/drawingml/2006/main" xmlns:r="http://schemas.openxmlformats.org/officeDocument/2006/relationships" xmlns:p="http://schemas.openxmlformats.org/presentationml/2006/main">
+  <p:cSld>
+    <p:spTree>
+      <p:nvGrpSpPr>
+        <p:cNvPr id="1" name=""/>
+        <p:cNvGrpSpPr/>
+        <p:nvPr/>
+      </p:nvGrpSpPr>
+      <p:grpSpPr>
+        <a:xfrm>
+          <a:off x="0" y="0"/>
+          <a:ext cx="0" cy="0"/>
+          <a:chOff x="0" y="0"/>
+          <a:chExt cx="0" cy="0"/>
+        </a:xfrm>
+      </p:grpSpPr>
+      <p:sp>
+        <p:nvSpPr>
+          <p:cNvPr id="4" name="内容占位符 3"/>
+          <p:cNvSpPr>
+            <a:spLocks noGrp="1"/>
+          </p:cNvSpPr>
+          <p:nvPr>
+            <p:ph sz="quarter" idx="15"/>
+          </p:nvPr>
+        </p:nvSpPr>
+        <p:spPr>
+          <a:xfrm>
+            <a:off x="917622" y="516340"/>
+            <a:ext cx="3447901" cy="685800"/>
+          </a:xfrm>
+        </p:spPr>
+        <p:txBody>
+          <a:bodyPr/>
+          <a:lstStyle/>
+          <a:p>
+            <a:r>
+              <a:rPr lang="zh-CN" altLang="en-US" b="0" dirty="0"/>
+              <a:t>二级域名</a:t>
+            </a:r>
+          </a:p>
+        </p:txBody>
+      </p:sp>
+      <p:sp>
+        <p:nvSpPr>
+          <p:cNvPr id="2" name="文本框 1">
+            <a:extLst>
+              <a:ext uri="{FF2B5EF4-FFF2-40B4-BE49-F238E27FC236}">
+                <a16:creationId xmlns:a16="http://schemas.microsoft.com/office/drawing/2014/main" id="{E9957063-44F3-462E-AE5C-9B795FBE4CCD}"/>
+              </a:ext>
+            </a:extLst>
+          </p:cNvPr>
+          <p:cNvSpPr txBox="1"/>
+          <p:nvPr/>
+        </p:nvSpPr>
+        <p:spPr>
+          <a:xfrm>
+            <a:off x="1052052" y="1838632"/>
+            <a:ext cx="9488129" cy="3000821"/>
+          </a:xfrm>
+          <a:prstGeom prst="rect">
+            <a:avLst/>
+          </a:prstGeom>
+          <a:noFill/>
+        </p:spPr>
+        <p:txBody>
+          <a:bodyPr wrap="square" rtlCol="0">
+            <a:spAutoFit/>
+          </a:bodyPr>
+          <a:lstStyle/>
+          <a:p>
+            <a:pPr marL="285750" indent="-285750">
+              <a:lnSpc>
+                <a:spcPct val="150000"/>
+              </a:lnSpc>
+              <a:buFont typeface="Arial" panose="020B0604020202020204" pitchFamily="34" charset="0"/>
+              <a:buChar char="•"/>
+            </a:pPr>
+            <a:r>
+              <a:rPr lang="en-US" altLang="zh-CN" dirty="0">
+                <a:latin typeface="Consolas" panose="020B0609020204030204" pitchFamily="49" charset="0"/>
+                <a:ea typeface="微软雅黑" panose="020B0503020204020204" pitchFamily="34" charset="-122"/>
+              </a:rPr>
+              <a:t>www.example.com</a:t>
+            </a:r>
+            <a:r>
+              <a:rPr lang="zh-CN" altLang="en-US" dirty="0">
+                <a:latin typeface="Consolas" panose="020B0609020204030204" pitchFamily="49" charset="0"/>
+                <a:ea typeface="微软雅黑" panose="020B0503020204020204" pitchFamily="34" charset="-122"/>
+              </a:rPr>
+              <a:t>是二级域名，由于使用频繁，很多人认为是一级域名，并认为网站就应该这么用。</a:t>
+            </a:r>
+            <a:endParaRPr lang="en-US" altLang="zh-CN" dirty="0">
+              <a:latin typeface="Consolas" panose="020B0609020204030204" pitchFamily="49" charset="0"/>
+              <a:ea typeface="微软雅黑" panose="020B0503020204020204" pitchFamily="34" charset="-122"/>
+            </a:endParaRPr>
+          </a:p>
+          <a:p>
+            <a:pPr marL="285750" indent="-285750">
+              <a:lnSpc>
+                <a:spcPct val="150000"/>
+              </a:lnSpc>
+              <a:buFont typeface="Arial" panose="020B0604020202020204" pitchFamily="34" charset="0"/>
+              <a:buChar char="•"/>
+            </a:pPr>
+            <a:r>
+              <a:rPr lang="zh-CN" altLang="en-US" dirty="0">
+                <a:latin typeface="Consolas" panose="020B0609020204030204" pitchFamily="49" charset="0"/>
+                <a:ea typeface="微软雅黑" panose="020B0503020204020204" pitchFamily="34" charset="-122"/>
+              </a:rPr>
+              <a:t>实际上，</a:t>
+            </a:r>
+            <a:r>
+              <a:rPr lang="en-US" altLang="zh-CN" dirty="0">
+                <a:latin typeface="Consolas" panose="020B0609020204030204" pitchFamily="49" charset="0"/>
+                <a:ea typeface="微软雅黑" panose="020B0503020204020204" pitchFamily="34" charset="-122"/>
+              </a:rPr>
+              <a:t> www.example.com</a:t>
+            </a:r>
+            <a:r>
+              <a:rPr lang="zh-CN" altLang="en-US" dirty="0">
+                <a:latin typeface="Consolas" panose="020B0609020204030204" pitchFamily="49" charset="0"/>
+                <a:ea typeface="微软雅黑" panose="020B0503020204020204" pitchFamily="34" charset="-122"/>
+              </a:rPr>
+              <a:t>这种形式当初也是为了用于网站，而</a:t>
+            </a:r>
+            <a:r>
+              <a:rPr lang="en-US" altLang="zh-CN" dirty="0">
+                <a:latin typeface="Consolas" panose="020B0609020204030204" pitchFamily="49" charset="0"/>
+                <a:ea typeface="微软雅黑" panose="020B0503020204020204" pitchFamily="34" charset="-122"/>
+              </a:rPr>
+              <a:t>ftp.example.com</a:t>
+            </a:r>
+            <a:r>
+              <a:rPr lang="zh-CN" altLang="en-US" dirty="0">
+                <a:latin typeface="Consolas" panose="020B0609020204030204" pitchFamily="49" charset="0"/>
+                <a:ea typeface="微软雅黑" panose="020B0503020204020204" pitchFamily="34" charset="-122"/>
+              </a:rPr>
+              <a:t>用于文件服务器等，为的是在一台服务器上可以用于多个系统提供不同的服务。</a:t>
+            </a:r>
+            <a:endParaRPr lang="en-US" altLang="zh-CN" dirty="0">
+              <a:latin typeface="Consolas" panose="020B0609020204030204" pitchFamily="49" charset="0"/>
+              <a:ea typeface="微软雅黑" panose="020B0503020204020204" pitchFamily="34" charset="-122"/>
+            </a:endParaRPr>
+          </a:p>
+          <a:p>
+            <a:pPr marL="285750" indent="-285750">
+              <a:lnSpc>
+                <a:spcPct val="150000"/>
+              </a:lnSpc>
+              <a:buFont typeface="Arial" panose="020B0604020202020204" pitchFamily="34" charset="0"/>
+              <a:buChar char="•"/>
+            </a:pPr>
+            <a:r>
+              <a:rPr lang="zh-CN" altLang="en-US" dirty="0">
+                <a:latin typeface="Consolas" panose="020B0609020204030204" pitchFamily="49" charset="0"/>
+                <a:ea typeface="微软雅黑" panose="020B0503020204020204" pitchFamily="34" charset="-122"/>
+              </a:rPr>
+              <a:t>对于</a:t>
+            </a:r>
+            <a:r>
+              <a:rPr lang="en-US" altLang="zh-CN" dirty="0">
+                <a:latin typeface="Consolas" panose="020B0609020204030204" pitchFamily="49" charset="0"/>
+                <a:ea typeface="微软雅黑" panose="020B0503020204020204" pitchFamily="34" charset="-122"/>
+              </a:rPr>
+              <a:t>Nginx</a:t>
+            </a:r>
+            <a:r>
+              <a:rPr lang="zh-CN" altLang="en-US" dirty="0">
+                <a:latin typeface="Consolas" panose="020B0609020204030204" pitchFamily="49" charset="0"/>
+                <a:ea typeface="微软雅黑" panose="020B0503020204020204" pitchFamily="34" charset="-122"/>
+              </a:rPr>
+              <a:t>，使用</a:t>
+            </a:r>
+            <a:r>
+              <a:rPr lang="en-US" altLang="zh-CN" dirty="0" err="1">
+                <a:latin typeface="Consolas" panose="020B0609020204030204" pitchFamily="49" charset="0"/>
+                <a:ea typeface="微软雅黑" panose="020B0503020204020204" pitchFamily="34" charset="-122"/>
+              </a:rPr>
+              <a:t>server_name</a:t>
+            </a:r>
+            <a:r>
+              <a:rPr lang="en-US" altLang="zh-CN" dirty="0">
+                <a:latin typeface="Consolas" panose="020B0609020204030204" pitchFamily="49" charset="0"/>
+                <a:ea typeface="微软雅黑" panose="020B0503020204020204" pitchFamily="34" charset="-122"/>
+              </a:rPr>
+              <a:t> [</a:t>
+            </a:r>
+            <a:r>
+              <a:rPr lang="zh-CN" altLang="en-US" dirty="0">
+                <a:latin typeface="Consolas" panose="020B0609020204030204" pitchFamily="49" charset="0"/>
+                <a:ea typeface="微软雅黑" panose="020B0503020204020204" pitchFamily="34" charset="-122"/>
+              </a:rPr>
+              <a:t>二级域名</a:t>
+            </a:r>
+            <a:r>
+              <a:rPr lang="en-US" altLang="zh-CN" dirty="0">
+                <a:latin typeface="Consolas" panose="020B0609020204030204" pitchFamily="49" charset="0"/>
+                <a:ea typeface="微软雅黑" panose="020B0503020204020204" pitchFamily="34" charset="-122"/>
+              </a:rPr>
+              <a:t>]</a:t>
+            </a:r>
+            <a:r>
+              <a:rPr lang="zh-CN" altLang="en-US" dirty="0">
+                <a:latin typeface="Consolas" panose="020B0609020204030204" pitchFamily="49" charset="0"/>
+                <a:ea typeface="微软雅黑" panose="020B0503020204020204" pitchFamily="34" charset="-122"/>
+              </a:rPr>
+              <a:t>以及</a:t>
+            </a:r>
+            <a:r>
+              <a:rPr lang="en-US" altLang="zh-CN" dirty="0">
+                <a:latin typeface="Consolas" panose="020B0609020204030204" pitchFamily="49" charset="0"/>
+                <a:ea typeface="微软雅黑" panose="020B0503020204020204" pitchFamily="34" charset="-122"/>
+              </a:rPr>
+              <a:t>root [</a:t>
+            </a:r>
+            <a:r>
+              <a:rPr lang="zh-CN" altLang="en-US" dirty="0">
+                <a:latin typeface="Consolas" panose="020B0609020204030204" pitchFamily="49" charset="0"/>
+                <a:ea typeface="微软雅黑" panose="020B0503020204020204" pitchFamily="34" charset="-122"/>
+              </a:rPr>
+              <a:t>目录</a:t>
+            </a:r>
+            <a:r>
+              <a:rPr lang="en-US" altLang="zh-CN" dirty="0">
+                <a:latin typeface="Consolas" panose="020B0609020204030204" pitchFamily="49" charset="0"/>
+                <a:ea typeface="微软雅黑" panose="020B0503020204020204" pitchFamily="34" charset="-122"/>
+              </a:rPr>
+              <a:t>]</a:t>
+            </a:r>
+            <a:r>
+              <a:rPr lang="zh-CN" altLang="en-US" dirty="0">
+                <a:latin typeface="Consolas" panose="020B0609020204030204" pitchFamily="49" charset="0"/>
+                <a:ea typeface="微软雅黑" panose="020B0503020204020204" pitchFamily="34" charset="-122"/>
+              </a:rPr>
+              <a:t>就可以实现不同域名映射不同目录，这样就实现了一台服务器上多个系统，而虚拟主机就是这样实现的。</a:t>
+            </a:r>
+            <a:endParaRPr lang="en-US" altLang="zh-CN" dirty="0">
+              <a:latin typeface="Consolas" panose="020B0609020204030204" pitchFamily="49" charset="0"/>
+              <a:ea typeface="微软雅黑" panose="020B0503020204020204" pitchFamily="34" charset="-122"/>
+            </a:endParaRPr>
+          </a:p>
+          <a:p>
+            <a:pPr marL="285750" indent="-285750">
+              <a:lnSpc>
+                <a:spcPct val="150000"/>
+              </a:lnSpc>
+              <a:buFont typeface="Arial" panose="020B0604020202020204" pitchFamily="34" charset="0"/>
+              <a:buChar char="•"/>
+            </a:pPr>
+            <a:r>
+              <a:rPr lang="zh-CN" altLang="en-US" dirty="0">
+                <a:latin typeface="Consolas" panose="020B0609020204030204" pitchFamily="49" charset="0"/>
+                <a:ea typeface="微软雅黑" panose="020B0503020204020204" pitchFamily="34" charset="-122"/>
+              </a:rPr>
+              <a:t>注册一个域名后，二级域名是不限定的，由用户自己决定如何使用。</a:t>
+            </a:r>
+          </a:p>
+        </p:txBody>
+      </p:sp>
+    </p:spTree>
+    <p:extLst>
+      <p:ext uri="{BB962C8B-B14F-4D97-AF65-F5344CB8AC3E}">
+        <p14:creationId xmlns:p14="http://schemas.microsoft.com/office/powerpoint/2010/main" val="3777184598"/>
+      </p:ext>
+    </p:extLst>
+  </p:cSld>
+  <p:clrMapOvr>
+    <a:masterClrMapping/>
+  </p:clrMapOvr>
+</p:sld>
+</file>
+
+<file path=ppt/slides/slide24.xml><?xml version="1.0" encoding="utf-8"?>
 <p:sld xmlns:a="http://schemas.openxmlformats.org/drawingml/2006/main" xmlns:r="http://schemas.openxmlformats.org/officeDocument/2006/relationships" xmlns:p="http://schemas.openxmlformats.org/presentationml/2006/main">
   <p:cSld>
     <p:spTree>
@@ -15670,13 +16066,6 @@
   <p:clrMapOvr>
     <a:masterClrMapping/>
   </p:clrMapOvr>
-  <p:timing>
-    <p:tnLst>
-      <p:par>
-        <p:cTn id="1" dur="indefinite" restart="never" nodeType="tmRoot"/>
-      </p:par>
-    </p:tnLst>
-  </p:timing>
 </p:sld>
 </file>
 
@@ -15713,10 +16102,9 @@
           <a:lstStyle/>
           <a:p>
             <a:r>
-              <a:rPr lang="zh-CN" altLang="en-US" b="0" dirty="0" smtClean="0"/>
+              <a:rPr lang="zh-CN" altLang="en-US" b="0" dirty="0"/>
               <a:t>前言</a:t>
             </a:r>
-            <a:endParaRPr lang="zh-CN" altLang="en-US" b="0" dirty="0"/>
           </a:p>
         </p:txBody>
       </p:sp>
@@ -15786,16 +16174,12 @@
           <a:lstStyle/>
           <a:p>
             <a:r>
-              <a:rPr lang="zh-CN" altLang="en-US" sz="2000" dirty="0" smtClean="0">
+              <a:rPr lang="zh-CN" altLang="en-US" sz="2000" dirty="0">
                 <a:latin typeface="微软雅黑" panose="020B0503020204020204" pitchFamily="34" charset="-122"/>
                 <a:ea typeface="微软雅黑" panose="020B0503020204020204" pitchFamily="34" charset="-122"/>
               </a:rPr>
               <a:t>微信服务器</a:t>
             </a:r>
-            <a:endParaRPr lang="zh-CN" altLang="en-US" sz="2000" dirty="0">
-              <a:latin typeface="微软雅黑" panose="020B0503020204020204" pitchFamily="34" charset="-122"/>
-              <a:ea typeface="微软雅黑" panose="020B0503020204020204" pitchFamily="34" charset="-122"/>
-            </a:endParaRPr>
           </a:p>
         </p:txBody>
       </p:sp>
@@ -15947,19 +16331,8 @@
                 <a:latin typeface="微软雅黑" panose="020B0503020204020204" pitchFamily="34" charset="-122"/>
                 <a:ea typeface="微软雅黑" panose="020B0503020204020204" pitchFamily="34" charset="-122"/>
               </a:rPr>
-              <a:t>自己</a:t>
-            </a:r>
-            <a:r>
-              <a:rPr lang="zh-CN" altLang="en-US" sz="2000" dirty="0" smtClean="0">
-                <a:latin typeface="微软雅黑" panose="020B0503020204020204" pitchFamily="34" charset="-122"/>
-                <a:ea typeface="微软雅黑" panose="020B0503020204020204" pitchFamily="34" charset="-122"/>
-              </a:rPr>
-              <a:t>的服务器</a:t>
-            </a:r>
-            <a:endParaRPr lang="zh-CN" altLang="en-US" sz="2000" dirty="0">
-              <a:latin typeface="微软雅黑" panose="020B0503020204020204" pitchFamily="34" charset="-122"/>
-              <a:ea typeface="微软雅黑" panose="020B0503020204020204" pitchFamily="34" charset="-122"/>
-            </a:endParaRPr>
+              <a:t>自己的服务器</a:t>
+            </a:r>
           </a:p>
         </p:txBody>
       </p:sp>
@@ -16124,16 +16497,12 @@
           <a:lstStyle/>
           <a:p>
             <a:r>
-              <a:rPr lang="zh-CN" altLang="en-US" sz="2000" dirty="0" smtClean="0">
+              <a:rPr lang="zh-CN" altLang="en-US" sz="2000" dirty="0">
                 <a:latin typeface="微软雅黑" panose="020B0503020204020204" pitchFamily="34" charset="-122"/>
                 <a:ea typeface="微软雅黑" panose="020B0503020204020204" pitchFamily="34" charset="-122"/>
               </a:rPr>
               <a:t>微信客户端、微信服务器与公众号配置对应的服务器通信的过程。</a:t>
             </a:r>
-            <a:endParaRPr lang="zh-CN" altLang="en-US" sz="2000" dirty="0">
-              <a:latin typeface="微软雅黑" panose="020B0503020204020204" pitchFamily="34" charset="-122"/>
-              <a:ea typeface="微软雅黑" panose="020B0503020204020204" pitchFamily="34" charset="-122"/>
-            </a:endParaRPr>
           </a:p>
         </p:txBody>
       </p:sp>
@@ -16188,10 +16557,9 @@
           <a:lstStyle/>
           <a:p>
             <a:r>
-              <a:rPr lang="zh-CN" altLang="en-US" b="0" dirty="0" smtClean="0"/>
+              <a:rPr lang="zh-CN" altLang="en-US" b="0" dirty="0"/>
               <a:t>第一节</a:t>
             </a:r>
-            <a:endParaRPr lang="zh-CN" altLang="en-US" b="0" dirty="0"/>
           </a:p>
         </p:txBody>
       </p:sp>
@@ -16225,7 +16593,7 @@
               <a:buAutoNum type="ea1JpnChsDbPeriod"/>
             </a:pPr>
             <a:r>
-              <a:rPr lang="en-US" altLang="zh-CN" sz="2800" b="1" dirty="0" smtClean="0">
+              <a:rPr lang="en-US" altLang="zh-CN" sz="2800" dirty="0">
                 <a:solidFill>
                   <a:schemeClr val="accent6">
                     <a:lumMod val="75000"/>
@@ -16237,7 +16605,7 @@
               <a:t>PHP</a:t>
             </a:r>
             <a:r>
-              <a:rPr lang="zh-CN" altLang="en-US" sz="2800" b="1" dirty="0" smtClean="0">
+              <a:rPr lang="zh-CN" altLang="en-US" sz="2800" dirty="0">
                 <a:solidFill>
                   <a:schemeClr val="accent6">
                     <a:lumMod val="75000"/>
@@ -16248,7 +16616,7 @@
               </a:rPr>
               <a:t>程序与服务器空间</a:t>
             </a:r>
-            <a:endParaRPr lang="en-US" altLang="zh-CN" sz="2800" b="1" dirty="0">
+            <a:endParaRPr lang="en-US" altLang="zh-CN" sz="2800" dirty="0">
               <a:solidFill>
                 <a:schemeClr val="accent6">
                   <a:lumMod val="75000"/>
@@ -16267,7 +16635,7 @@
               <a:buAutoNum type="ea1JpnChsDbPeriod"/>
             </a:pPr>
             <a:r>
-              <a:rPr lang="zh-CN" altLang="en-US" sz="2400" dirty="0" smtClean="0">
+              <a:rPr lang="zh-CN" altLang="en-US" sz="2400" dirty="0">
                 <a:solidFill>
                   <a:schemeClr val="bg2">
                     <a:lumMod val="75000"/>
@@ -16297,7 +16665,7 @@
               <a:buAutoNum type="ea1JpnChsDbPeriod"/>
             </a:pPr>
             <a:r>
-              <a:rPr lang="zh-CN" altLang="en-US" sz="2400" dirty="0" smtClean="0">
+              <a:rPr lang="zh-CN" altLang="en-US" sz="2400" dirty="0">
                 <a:solidFill>
                   <a:schemeClr val="bg2">
                     <a:lumMod val="75000"/>
@@ -16330,13 +16698,6 @@
   <p:clrMapOvr>
     <a:masterClrMapping/>
   </p:clrMapOvr>
-  <p:timing>
-    <p:tnLst>
-      <p:par>
-        <p:cTn id="1" dur="indefinite" restart="never" nodeType="tmRoot"/>
-      </p:par>
-    </p:tnLst>
-  </p:timing>
 </p:sld>
 </file>
 
@@ -16378,14 +16739,13 @@
           <a:lstStyle/>
           <a:p>
             <a:r>
-              <a:rPr lang="en-US" altLang="zh-CN" b="0" dirty="0" smtClean="0"/>
+              <a:rPr lang="en-US" altLang="zh-CN" b="0" dirty="0"/>
               <a:t>PHP</a:t>
             </a:r>
             <a:r>
-              <a:rPr lang="zh-CN" altLang="en-US" b="0" dirty="0" smtClean="0"/>
+              <a:rPr lang="zh-CN" altLang="en-US" b="0" dirty="0"/>
               <a:t>程序的执行过程</a:t>
             </a:r>
-            <a:endParaRPr lang="zh-CN" altLang="en-US" b="0" dirty="0"/>
           </a:p>
         </p:txBody>
       </p:sp>
@@ -16556,23 +16916,19 @@
           <a:lstStyle/>
           <a:p>
             <a:r>
-              <a:rPr lang="en-US" altLang="zh-CN" sz="2000" dirty="0" smtClean="0">
+              <a:rPr lang="en-US" altLang="zh-CN" sz="2000" dirty="0">
                 <a:latin typeface="微软雅黑" panose="020B0503020204020204" pitchFamily="34" charset="-122"/>
                 <a:ea typeface="微软雅黑" panose="020B0503020204020204" pitchFamily="34" charset="-122"/>
               </a:rPr>
               <a:t>Web</a:t>
             </a:r>
             <a:r>
-              <a:rPr lang="zh-CN" altLang="en-US" sz="2000" dirty="0" smtClean="0">
+              <a:rPr lang="zh-CN" altLang="en-US" sz="2000" dirty="0">
                 <a:latin typeface="微软雅黑" panose="020B0503020204020204" pitchFamily="34" charset="-122"/>
                 <a:ea typeface="微软雅黑" panose="020B0503020204020204" pitchFamily="34" charset="-122"/>
               </a:rPr>
               <a:t>服务器</a:t>
             </a:r>
-            <a:endParaRPr lang="zh-CN" altLang="en-US" sz="2000" dirty="0">
-              <a:latin typeface="微软雅黑" panose="020B0503020204020204" pitchFamily="34" charset="-122"/>
-              <a:ea typeface="微软雅黑" panose="020B0503020204020204" pitchFamily="34" charset="-122"/>
-            </a:endParaRPr>
           </a:p>
         </p:txBody>
       </p:sp>
@@ -16599,23 +16955,19 @@
           <a:lstStyle/>
           <a:p>
             <a:r>
-              <a:rPr lang="en-US" altLang="zh-CN" sz="2000" dirty="0" smtClean="0">
+              <a:rPr lang="en-US" altLang="zh-CN" sz="2000" dirty="0">
                 <a:latin typeface="微软雅黑" panose="020B0503020204020204" pitchFamily="34" charset="-122"/>
                 <a:ea typeface="微软雅黑" panose="020B0503020204020204" pitchFamily="34" charset="-122"/>
               </a:rPr>
               <a:t>PHP</a:t>
             </a:r>
             <a:r>
-              <a:rPr lang="zh-CN" altLang="en-US" sz="2000" dirty="0" smtClean="0">
+              <a:rPr lang="zh-CN" altLang="en-US" sz="2000" dirty="0">
                 <a:latin typeface="微软雅黑" panose="020B0503020204020204" pitchFamily="34" charset="-122"/>
                 <a:ea typeface="微软雅黑" panose="020B0503020204020204" pitchFamily="34" charset="-122"/>
               </a:rPr>
               <a:t>解释器执行脚本</a:t>
             </a:r>
-            <a:endParaRPr lang="zh-CN" altLang="en-US" sz="2000" dirty="0">
-              <a:latin typeface="微软雅黑" panose="020B0503020204020204" pitchFamily="34" charset="-122"/>
-              <a:ea typeface="微软雅黑" panose="020B0503020204020204" pitchFamily="34" charset="-122"/>
-            </a:endParaRPr>
           </a:p>
         </p:txBody>
       </p:sp>
@@ -16708,16 +17060,12 @@
           <a:lstStyle/>
           <a:p>
             <a:r>
-              <a:rPr lang="zh-CN" altLang="en-US" sz="2000" dirty="0" smtClean="0">
+              <a:rPr lang="zh-CN" altLang="en-US" sz="2000" dirty="0">
                 <a:latin typeface="微软雅黑" panose="020B0503020204020204" pitchFamily="34" charset="-122"/>
                 <a:ea typeface="微软雅黑" panose="020B0503020204020204" pitchFamily="34" charset="-122"/>
               </a:rPr>
               <a:t>请求</a:t>
             </a:r>
-            <a:endParaRPr lang="zh-CN" altLang="en-US" sz="2000" dirty="0">
-              <a:latin typeface="微软雅黑" panose="020B0503020204020204" pitchFamily="34" charset="-122"/>
-              <a:ea typeface="微软雅黑" panose="020B0503020204020204" pitchFamily="34" charset="-122"/>
-            </a:endParaRPr>
           </a:p>
         </p:txBody>
       </p:sp>
@@ -16816,23 +17164,19 @@
           <a:lstStyle/>
           <a:p>
             <a:r>
-              <a:rPr lang="en-US" altLang="zh-CN" sz="2000" dirty="0" smtClean="0">
+              <a:rPr lang="en-US" altLang="zh-CN" sz="2000" dirty="0">
                 <a:latin typeface="微软雅黑" panose="020B0503020204020204" pitchFamily="34" charset="-122"/>
                 <a:ea typeface="微软雅黑" panose="020B0503020204020204" pitchFamily="34" charset="-122"/>
               </a:rPr>
               <a:t>Web</a:t>
             </a:r>
             <a:r>
-              <a:rPr lang="zh-CN" altLang="en-US" sz="2000" dirty="0" smtClean="0">
+              <a:rPr lang="zh-CN" altLang="en-US" sz="2000" dirty="0">
                 <a:latin typeface="微软雅黑" panose="020B0503020204020204" pitchFamily="34" charset="-122"/>
                 <a:ea typeface="微软雅黑" panose="020B0503020204020204" pitchFamily="34" charset="-122"/>
               </a:rPr>
               <a:t>浏览器</a:t>
             </a:r>
-            <a:endParaRPr lang="zh-CN" altLang="en-US" sz="2000" dirty="0">
-              <a:latin typeface="微软雅黑" panose="020B0503020204020204" pitchFamily="34" charset="-122"/>
-              <a:ea typeface="微软雅黑" panose="020B0503020204020204" pitchFamily="34" charset="-122"/>
-            </a:endParaRPr>
           </a:p>
         </p:txBody>
       </p:sp>
@@ -16989,10 +17333,6 @@
               </a:rPr>
               <a:t>进行解释执行。</a:t>
             </a:r>
-            <a:endParaRPr lang="zh-CN" altLang="en-US" sz="2000" dirty="0">
-              <a:latin typeface="微软雅黑" panose="020B0503020204020204" pitchFamily="34" charset="-122"/>
-              <a:ea typeface="微软雅黑" panose="020B0503020204020204" pitchFamily="34" charset="-122"/>
-            </a:endParaRPr>
           </a:p>
         </p:txBody>
       </p:sp>
@@ -17125,7 +17465,7 @@
           <a:lstStyle/>
           <a:p>
             <a:r>
-              <a:rPr lang="en-US" altLang="zh-CN" sz="2000" dirty="0" smtClean="0">
+              <a:rPr lang="en-US" altLang="zh-CN" sz="2000" dirty="0">
                 <a:solidFill>
                   <a:schemeClr val="bg1">
                     <a:lumMod val="95000"/>
@@ -17137,7 +17477,7 @@
               <a:t>MySQL</a:t>
             </a:r>
             <a:r>
-              <a:rPr lang="zh-CN" altLang="en-US" sz="2000" dirty="0" smtClean="0">
+              <a:rPr lang="zh-CN" altLang="en-US" sz="2000" dirty="0">
                 <a:solidFill>
                   <a:schemeClr val="bg1">
                     <a:lumMod val="95000"/>
@@ -17148,15 +17488,6 @@
               </a:rPr>
               <a:t>数据库</a:t>
             </a:r>
-            <a:endParaRPr lang="zh-CN" altLang="en-US" sz="2000" dirty="0">
-              <a:solidFill>
-                <a:schemeClr val="bg1">
-                  <a:lumMod val="95000"/>
-                </a:schemeClr>
-              </a:solidFill>
-              <a:latin typeface="微软雅黑" panose="020B0503020204020204" pitchFamily="34" charset="-122"/>
-              <a:ea typeface="微软雅黑" panose="020B0503020204020204" pitchFamily="34" charset="-122"/>
-            </a:endParaRPr>
           </a:p>
         </p:txBody>
       </p:sp>
@@ -17170,13 +17501,6 @@
   <p:clrMapOvr>
     <a:masterClrMapping/>
   </p:clrMapOvr>
-  <p:timing>
-    <p:tnLst>
-      <p:par>
-        <p:cTn id="1" dur="indefinite" restart="never" nodeType="tmRoot"/>
-      </p:par>
-    </p:tnLst>
-  </p:timing>
 </p:sld>
 </file>
 
@@ -17264,10 +17588,9 @@
           <a:lstStyle/>
           <a:p>
             <a:r>
-              <a:rPr lang="zh-CN" altLang="en-US" dirty="0" smtClean="0"/>
+              <a:rPr lang="zh-CN" altLang="en-US" b="0" dirty="0"/>
               <a:t>服务器与网站</a:t>
             </a:r>
-            <a:endParaRPr lang="zh-CN" altLang="en-US" dirty="0"/>
           </a:p>
         </p:txBody>
       </p:sp>
@@ -17438,23 +17761,19 @@
           <a:lstStyle/>
           <a:p>
             <a:r>
-              <a:rPr lang="en-US" altLang="zh-CN" sz="2000" dirty="0" smtClean="0">
+              <a:rPr lang="en-US" altLang="zh-CN" sz="2000" dirty="0">
                 <a:latin typeface="微软雅黑" panose="020B0503020204020204" pitchFamily="34" charset="-122"/>
                 <a:ea typeface="微软雅黑" panose="020B0503020204020204" pitchFamily="34" charset="-122"/>
               </a:rPr>
               <a:t>Web</a:t>
             </a:r>
             <a:r>
-              <a:rPr lang="zh-CN" altLang="en-US" sz="2000" dirty="0" smtClean="0">
+              <a:rPr lang="zh-CN" altLang="en-US" sz="2000" dirty="0">
                 <a:latin typeface="微软雅黑" panose="020B0503020204020204" pitchFamily="34" charset="-122"/>
                 <a:ea typeface="微软雅黑" panose="020B0503020204020204" pitchFamily="34" charset="-122"/>
               </a:rPr>
               <a:t>服务器</a:t>
             </a:r>
-            <a:endParaRPr lang="zh-CN" altLang="en-US" sz="2000" dirty="0">
-              <a:latin typeface="微软雅黑" panose="020B0503020204020204" pitchFamily="34" charset="-122"/>
-              <a:ea typeface="微软雅黑" panose="020B0503020204020204" pitchFamily="34" charset="-122"/>
-            </a:endParaRPr>
           </a:p>
         </p:txBody>
       </p:sp>
@@ -17481,23 +17800,19 @@
           <a:lstStyle/>
           <a:p>
             <a:r>
-              <a:rPr lang="en-US" altLang="zh-CN" sz="2000" dirty="0" smtClean="0">
+              <a:rPr lang="en-US" altLang="zh-CN" sz="2000" dirty="0">
                 <a:latin typeface="微软雅黑" panose="020B0503020204020204" pitchFamily="34" charset="-122"/>
                 <a:ea typeface="微软雅黑" panose="020B0503020204020204" pitchFamily="34" charset="-122"/>
               </a:rPr>
               <a:t>PHP</a:t>
             </a:r>
             <a:r>
-              <a:rPr lang="zh-CN" altLang="en-US" sz="2000" dirty="0" smtClean="0">
+              <a:rPr lang="zh-CN" altLang="en-US" sz="2000" dirty="0">
                 <a:latin typeface="微软雅黑" panose="020B0503020204020204" pitchFamily="34" charset="-122"/>
                 <a:ea typeface="微软雅黑" panose="020B0503020204020204" pitchFamily="34" charset="-122"/>
               </a:rPr>
               <a:t>解释器执行脚本</a:t>
             </a:r>
-            <a:endParaRPr lang="zh-CN" altLang="en-US" sz="2000" dirty="0">
-              <a:latin typeface="微软雅黑" panose="020B0503020204020204" pitchFamily="34" charset="-122"/>
-              <a:ea typeface="微软雅黑" panose="020B0503020204020204" pitchFamily="34" charset="-122"/>
-            </a:endParaRPr>
           </a:p>
         </p:txBody>
       </p:sp>
@@ -17590,16 +17905,12 @@
           <a:lstStyle/>
           <a:p>
             <a:r>
-              <a:rPr lang="zh-CN" altLang="en-US" sz="2000" dirty="0" smtClean="0">
+              <a:rPr lang="zh-CN" altLang="en-US" sz="2000" dirty="0">
                 <a:latin typeface="微软雅黑" panose="020B0503020204020204" pitchFamily="34" charset="-122"/>
                 <a:ea typeface="微软雅黑" panose="020B0503020204020204" pitchFamily="34" charset="-122"/>
               </a:rPr>
               <a:t>请求</a:t>
             </a:r>
-            <a:endParaRPr lang="zh-CN" altLang="en-US" sz="2000" dirty="0">
-              <a:latin typeface="微软雅黑" panose="020B0503020204020204" pitchFamily="34" charset="-122"/>
-              <a:ea typeface="微软雅黑" panose="020B0503020204020204" pitchFamily="34" charset="-122"/>
-            </a:endParaRPr>
           </a:p>
         </p:txBody>
       </p:sp>
@@ -17698,23 +18009,19 @@
           <a:lstStyle/>
           <a:p>
             <a:r>
-              <a:rPr lang="en-US" altLang="zh-CN" sz="2000" dirty="0" smtClean="0">
+              <a:rPr lang="en-US" altLang="zh-CN" sz="2000" dirty="0">
                 <a:latin typeface="微软雅黑" panose="020B0503020204020204" pitchFamily="34" charset="-122"/>
                 <a:ea typeface="微软雅黑" panose="020B0503020204020204" pitchFamily="34" charset="-122"/>
               </a:rPr>
               <a:t>Web</a:t>
             </a:r>
             <a:r>
-              <a:rPr lang="zh-CN" altLang="en-US" sz="2000" dirty="0" smtClean="0">
+              <a:rPr lang="zh-CN" altLang="en-US" sz="2000" dirty="0">
                 <a:latin typeface="微软雅黑" panose="020B0503020204020204" pitchFamily="34" charset="-122"/>
                 <a:ea typeface="微软雅黑" panose="020B0503020204020204" pitchFamily="34" charset="-122"/>
               </a:rPr>
               <a:t>浏览器</a:t>
             </a:r>
-            <a:endParaRPr lang="zh-CN" altLang="en-US" sz="2000" dirty="0">
-              <a:latin typeface="微软雅黑" panose="020B0503020204020204" pitchFamily="34" charset="-122"/>
-              <a:ea typeface="微软雅黑" panose="020B0503020204020204" pitchFamily="34" charset="-122"/>
-            </a:endParaRPr>
           </a:p>
         </p:txBody>
       </p:sp>
@@ -17847,7 +18154,7 @@
           <a:lstStyle/>
           <a:p>
             <a:r>
-              <a:rPr lang="en-US" altLang="zh-CN" sz="2000" dirty="0" smtClean="0">
+              <a:rPr lang="en-US" altLang="zh-CN" sz="2000" dirty="0">
                 <a:solidFill>
                   <a:schemeClr val="bg1">
                     <a:lumMod val="95000"/>
@@ -17859,7 +18166,7 @@
               <a:t>MySQL</a:t>
             </a:r>
             <a:r>
-              <a:rPr lang="zh-CN" altLang="en-US" sz="2000" dirty="0" smtClean="0">
+              <a:rPr lang="zh-CN" altLang="en-US" sz="2000" dirty="0">
                 <a:solidFill>
                   <a:schemeClr val="bg1">
                     <a:lumMod val="95000"/>
@@ -17870,15 +18177,6 @@
               </a:rPr>
               <a:t>数据库</a:t>
             </a:r>
-            <a:endParaRPr lang="zh-CN" altLang="en-US" sz="2000" dirty="0">
-              <a:solidFill>
-                <a:schemeClr val="bg1">
-                  <a:lumMod val="95000"/>
-                </a:schemeClr>
-              </a:solidFill>
-              <a:latin typeface="微软雅黑" panose="020B0503020204020204" pitchFamily="34" charset="-122"/>
-              <a:ea typeface="微软雅黑" panose="020B0503020204020204" pitchFamily="34" charset="-122"/>
-            </a:endParaRPr>
           </a:p>
         </p:txBody>
       </p:sp>
@@ -17916,10 +18214,6 @@
               </a:rPr>
               <a:t>服务器是一台主机，为需要运行的软件提供资源。</a:t>
             </a:r>
-            <a:endParaRPr lang="zh-CN" altLang="en-US" sz="2000" dirty="0">
-              <a:latin typeface="微软雅黑" panose="020B0503020204020204" pitchFamily="34" charset="-122"/>
-              <a:ea typeface="微软雅黑" panose="020B0503020204020204" pitchFamily="34" charset="-122"/>
-            </a:endParaRPr>
           </a:p>
         </p:txBody>
       </p:sp>
@@ -17982,16 +18276,12 @@
           <a:lstStyle/>
           <a:p>
             <a:r>
-              <a:rPr lang="zh-CN" altLang="en-US" sz="2000" dirty="0" smtClean="0">
+              <a:rPr lang="zh-CN" altLang="en-US" sz="2000" dirty="0">
                 <a:latin typeface="微软雅黑" panose="020B0503020204020204" pitchFamily="34" charset="-122"/>
                 <a:ea typeface="微软雅黑" panose="020B0503020204020204" pitchFamily="34" charset="-122"/>
               </a:rPr>
               <a:t>服务器</a:t>
             </a:r>
-            <a:endParaRPr lang="zh-CN" altLang="en-US" sz="2000" dirty="0">
-              <a:latin typeface="微软雅黑" panose="020B0503020204020204" pitchFamily="34" charset="-122"/>
-              <a:ea typeface="微软雅黑" panose="020B0503020204020204" pitchFamily="34" charset="-122"/>
-            </a:endParaRPr>
           </a:p>
         </p:txBody>
       </p:sp>
@@ -18005,13 +18295,6 @@
   <p:clrMapOvr>
     <a:masterClrMapping/>
   </p:clrMapOvr>
-  <p:timing>
-    <p:tnLst>
-      <p:par>
-        <p:cTn id="1" dur="indefinite" restart="never" nodeType="tmRoot"/>
-      </p:par>
-    </p:tnLst>
-  </p:timing>
 </p:sld>
 </file>
 
@@ -18053,10 +18336,9 @@
           <a:lstStyle/>
           <a:p>
             <a:r>
-              <a:rPr lang="zh-CN" altLang="en-US" dirty="0" smtClean="0"/>
+              <a:rPr lang="zh-CN" altLang="en-US" b="0" dirty="0"/>
               <a:t>服务器和域名</a:t>
             </a:r>
-            <a:endParaRPr lang="zh-CN" altLang="en-US" dirty="0"/>
           </a:p>
         </p:txBody>
       </p:sp>
@@ -18090,55 +18372,41 @@
               <a:buChar char="•"/>
             </a:pPr>
             <a:r>
-              <a:rPr lang="zh-CN" altLang="en-US" sz="2400" dirty="0" smtClean="0">
+              <a:rPr lang="zh-CN" altLang="en-US" sz="2400" dirty="0">
                 <a:latin typeface="微软雅黑" panose="020B0503020204020204" pitchFamily="34" charset="-122"/>
                 <a:ea typeface="微软雅黑" panose="020B0503020204020204" pitchFamily="34" charset="-122"/>
               </a:rPr>
               <a:t>一台服务器有一个公网</a:t>
             </a:r>
             <a:r>
-              <a:rPr lang="en-US" altLang="zh-CN" sz="2400" dirty="0" smtClean="0">
+              <a:rPr lang="en-US" altLang="zh-CN" sz="2400" dirty="0">
                 <a:latin typeface="微软雅黑" panose="020B0503020204020204" pitchFamily="34" charset="-122"/>
                 <a:ea typeface="微软雅黑" panose="020B0503020204020204" pitchFamily="34" charset="-122"/>
               </a:rPr>
               <a:t>IP</a:t>
             </a:r>
             <a:r>
-              <a:rPr lang="zh-CN" altLang="en-US" sz="2400" dirty="0" smtClean="0">
+              <a:rPr lang="zh-CN" altLang="en-US" sz="2400" dirty="0">
                 <a:latin typeface="微软雅黑" panose="020B0503020204020204" pitchFamily="34" charset="-122"/>
                 <a:ea typeface="微软雅黑" panose="020B0503020204020204" pitchFamily="34" charset="-122"/>
               </a:rPr>
               <a:t>地址，</a:t>
             </a:r>
             <a:r>
-              <a:rPr lang="en-US" altLang="zh-CN" sz="2400" dirty="0" smtClean="0">
+              <a:rPr lang="en-US" altLang="zh-CN" sz="2400" dirty="0">
                 <a:latin typeface="微软雅黑" panose="020B0503020204020204" pitchFamily="34" charset="-122"/>
                 <a:ea typeface="微软雅黑" panose="020B0503020204020204" pitchFamily="34" charset="-122"/>
               </a:rPr>
               <a:t>IP</a:t>
             </a:r>
             <a:r>
-              <a:rPr lang="zh-CN" altLang="en-US" sz="2400" dirty="0" smtClean="0">
-                <a:latin typeface="微软雅黑" panose="020B0503020204020204" pitchFamily="34" charset="-122"/>
-                <a:ea typeface="微软雅黑" panose="020B0503020204020204" pitchFamily="34" charset="-122"/>
-              </a:rPr>
-              <a:t>地址就像是手机号，而域名就像是姓名，并且是</a:t>
-            </a:r>
-            <a:r>
               <a:rPr lang="zh-CN" altLang="en-US" sz="2400" dirty="0">
                 <a:latin typeface="微软雅黑" panose="020B0503020204020204" pitchFamily="34" charset="-122"/>
                 <a:ea typeface="微软雅黑" panose="020B0503020204020204" pitchFamily="34" charset="-122"/>
               </a:rPr>
-              <a:t>唯一</a:t>
-            </a:r>
-            <a:r>
-              <a:rPr lang="zh-CN" altLang="en-US" sz="2400" dirty="0" smtClean="0">
-                <a:latin typeface="微软雅黑" panose="020B0503020204020204" pitchFamily="34" charset="-122"/>
-                <a:ea typeface="微软雅黑" panose="020B0503020204020204" pitchFamily="34" charset="-122"/>
-              </a:rPr>
-              <a:t>的。</a:t>
-            </a:r>
-            <a:endParaRPr lang="en-US" altLang="zh-CN" sz="2400" dirty="0" smtClean="0">
+              <a:t>地址就像是手机号，而域名就像是姓名，并且是唯一的。</a:t>
+            </a:r>
+            <a:endParaRPr lang="en-US" altLang="zh-CN" sz="2400" dirty="0">
               <a:latin typeface="微软雅黑" panose="020B0503020204020204" pitchFamily="34" charset="-122"/>
               <a:ea typeface="微软雅黑" panose="020B0503020204020204" pitchFamily="34" charset="-122"/>
             </a:endParaRPr>
@@ -18152,69 +18420,69 @@
               <a:buChar char="•"/>
             </a:pPr>
             <a:r>
-              <a:rPr lang="zh-CN" altLang="en-US" sz="2400" dirty="0" smtClean="0">
+              <a:rPr lang="zh-CN" altLang="en-US" sz="2400" dirty="0">
                 <a:latin typeface="微软雅黑" panose="020B0503020204020204" pitchFamily="34" charset="-122"/>
                 <a:ea typeface="微软雅黑" panose="020B0503020204020204" pitchFamily="34" charset="-122"/>
               </a:rPr>
               <a:t>域名可以绑定</a:t>
             </a:r>
             <a:r>
-              <a:rPr lang="en-US" altLang="zh-CN" sz="2400" dirty="0" smtClean="0">
+              <a:rPr lang="en-US" altLang="zh-CN" sz="2400" dirty="0">
                 <a:latin typeface="微软雅黑" panose="020B0503020204020204" pitchFamily="34" charset="-122"/>
                 <a:ea typeface="微软雅黑" panose="020B0503020204020204" pitchFamily="34" charset="-122"/>
               </a:rPr>
               <a:t>IP</a:t>
             </a:r>
             <a:r>
-              <a:rPr lang="zh-CN" altLang="en-US" sz="2400" dirty="0" smtClean="0">
+              <a:rPr lang="zh-CN" altLang="en-US" sz="2400" dirty="0">
                 <a:latin typeface="微软雅黑" panose="020B0503020204020204" pitchFamily="34" charset="-122"/>
                 <a:ea typeface="微软雅黑" panose="020B0503020204020204" pitchFamily="34" charset="-122"/>
               </a:rPr>
               <a:t>地址。通过</a:t>
             </a:r>
             <a:r>
-              <a:rPr lang="en-US" altLang="zh-CN" sz="2400" dirty="0" smtClean="0">
+              <a:rPr lang="en-US" altLang="zh-CN" sz="2400" dirty="0">
                 <a:latin typeface="微软雅黑" panose="020B0503020204020204" pitchFamily="34" charset="-122"/>
                 <a:ea typeface="微软雅黑" panose="020B0503020204020204" pitchFamily="34" charset="-122"/>
               </a:rPr>
               <a:t>DNS</a:t>
             </a:r>
             <a:r>
-              <a:rPr lang="zh-CN" altLang="en-US" sz="2400" dirty="0" smtClean="0">
+              <a:rPr lang="zh-CN" altLang="en-US" sz="2400" dirty="0">
                 <a:latin typeface="微软雅黑" panose="020B0503020204020204" pitchFamily="34" charset="-122"/>
                 <a:ea typeface="微软雅黑" panose="020B0503020204020204" pitchFamily="34" charset="-122"/>
               </a:rPr>
               <a:t>服务器可以通过域名找到</a:t>
             </a:r>
             <a:r>
-              <a:rPr lang="en-US" altLang="zh-CN" sz="2400" dirty="0" smtClean="0">
+              <a:rPr lang="en-US" altLang="zh-CN" sz="2400" dirty="0">
                 <a:latin typeface="微软雅黑" panose="020B0503020204020204" pitchFamily="34" charset="-122"/>
                 <a:ea typeface="微软雅黑" panose="020B0503020204020204" pitchFamily="34" charset="-122"/>
               </a:rPr>
               <a:t>IP</a:t>
             </a:r>
             <a:r>
-              <a:rPr lang="zh-CN" altLang="en-US" sz="2400" dirty="0" smtClean="0">
+              <a:rPr lang="zh-CN" altLang="en-US" sz="2400" dirty="0">
                 <a:latin typeface="微软雅黑" panose="020B0503020204020204" pitchFamily="34" charset="-122"/>
                 <a:ea typeface="微软雅黑" panose="020B0503020204020204" pitchFamily="34" charset="-122"/>
               </a:rPr>
               <a:t>地址，再通过</a:t>
             </a:r>
             <a:r>
-              <a:rPr lang="en-US" altLang="zh-CN" sz="2400" dirty="0" smtClean="0">
+              <a:rPr lang="en-US" altLang="zh-CN" sz="2400" dirty="0">
                 <a:latin typeface="微软雅黑" panose="020B0503020204020204" pitchFamily="34" charset="-122"/>
                 <a:ea typeface="微软雅黑" panose="020B0503020204020204" pitchFamily="34" charset="-122"/>
               </a:rPr>
               <a:t>IP</a:t>
             </a:r>
             <a:r>
-              <a:rPr lang="zh-CN" altLang="en-US" sz="2400" dirty="0" smtClean="0">
+              <a:rPr lang="zh-CN" altLang="en-US" sz="2400" dirty="0">
                 <a:latin typeface="微软雅黑" panose="020B0503020204020204" pitchFamily="34" charset="-122"/>
                 <a:ea typeface="微软雅黑" panose="020B0503020204020204" pitchFamily="34" charset="-122"/>
               </a:rPr>
               <a:t>地址就可以访问服务器。这样只需要记住域名就可以访问服务器。</a:t>
             </a:r>
-            <a:endParaRPr lang="en-US" altLang="zh-CN" sz="2400" dirty="0" smtClean="0">
+            <a:endParaRPr lang="en-US" altLang="zh-CN" sz="2400" dirty="0">
               <a:latin typeface="微软雅黑" panose="020B0503020204020204" pitchFamily="34" charset="-122"/>
               <a:ea typeface="微软雅黑" panose="020B0503020204020204" pitchFamily="34" charset="-122"/>
             </a:endParaRPr>
@@ -18232,30 +18500,23 @@
                 <a:latin typeface="微软雅黑" panose="020B0503020204020204" pitchFamily="34" charset="-122"/>
                 <a:ea typeface="微软雅黑" panose="020B0503020204020204" pitchFamily="34" charset="-122"/>
               </a:rPr>
-              <a:t>多个</a:t>
-            </a:r>
-            <a:r>
-              <a:rPr lang="zh-CN" altLang="en-US" sz="2400" dirty="0" smtClean="0">
-                <a:latin typeface="微软雅黑" panose="020B0503020204020204" pitchFamily="34" charset="-122"/>
-                <a:ea typeface="微软雅黑" panose="020B0503020204020204" pitchFamily="34" charset="-122"/>
-              </a:rPr>
-              <a:t>域名可以绑定到同一个</a:t>
-            </a:r>
-            <a:r>
-              <a:rPr lang="en-US" altLang="zh-CN" sz="2400" dirty="0" smtClean="0">
+              <a:t>多个域名可以绑定到同一个</a:t>
+            </a:r>
+            <a:r>
+              <a:rPr lang="en-US" altLang="zh-CN" sz="2400" dirty="0">
                 <a:latin typeface="微软雅黑" panose="020B0503020204020204" pitchFamily="34" charset="-122"/>
                 <a:ea typeface="微软雅黑" panose="020B0503020204020204" pitchFamily="34" charset="-122"/>
               </a:rPr>
               <a:t>IP</a:t>
             </a:r>
             <a:r>
-              <a:rPr lang="zh-CN" altLang="en-US" sz="2400" dirty="0" smtClean="0">
+              <a:rPr lang="zh-CN" altLang="en-US" sz="2400" dirty="0">
                 <a:latin typeface="微软雅黑" panose="020B0503020204020204" pitchFamily="34" charset="-122"/>
                 <a:ea typeface="微软雅黑" panose="020B0503020204020204" pitchFamily="34" charset="-122"/>
               </a:rPr>
               <a:t>地址。</a:t>
             </a:r>
-            <a:endParaRPr lang="en-US" altLang="zh-CN" sz="2400" dirty="0" smtClean="0">
+            <a:endParaRPr lang="en-US" altLang="zh-CN" sz="2400" dirty="0">
               <a:latin typeface="微软雅黑" panose="020B0503020204020204" pitchFamily="34" charset="-122"/>
               <a:ea typeface="微软雅黑" panose="020B0503020204020204" pitchFamily="34" charset="-122"/>
             </a:endParaRPr>
@@ -18272,13 +18533,6 @@
   <p:clrMapOvr>
     <a:masterClrMapping/>
   </p:clrMapOvr>
-  <p:timing>
-    <p:tnLst>
-      <p:par>
-        <p:cTn id="1" dur="indefinite" restart="never" nodeType="tmRoot"/>
-      </p:par>
-    </p:tnLst>
-  </p:timing>
 </p:sld>
 </file>
 
@@ -18320,10 +18574,9 @@
           <a:lstStyle/>
           <a:p>
             <a:r>
-              <a:rPr lang="zh-CN" altLang="en-US" dirty="0" smtClean="0"/>
+              <a:rPr lang="zh-CN" altLang="en-US" b="0" dirty="0"/>
               <a:t>服务器空间分类</a:t>
             </a:r>
-            <a:endParaRPr lang="zh-CN" altLang="en-US" dirty="0"/>
           </a:p>
         </p:txBody>
       </p:sp>
@@ -18390,7 +18643,7 @@
           <a:lstStyle/>
           <a:p>
             <a:r>
-              <a:rPr lang="zh-CN" altLang="en-US" sz="2400" dirty="0" smtClean="0">
+              <a:rPr lang="zh-CN" altLang="en-US" sz="2400" dirty="0">
                 <a:solidFill>
                   <a:schemeClr val="bg1"/>
                 </a:solidFill>
@@ -18399,13 +18652,6 @@
               </a:rPr>
               <a:t>虚拟主机</a:t>
             </a:r>
-            <a:endParaRPr lang="zh-CN" altLang="en-US" sz="2400" dirty="0">
-              <a:solidFill>
-                <a:schemeClr val="bg1"/>
-              </a:solidFill>
-              <a:latin typeface="微软雅黑" panose="020B0503020204020204" pitchFamily="34" charset="-122"/>
-              <a:ea typeface="微软雅黑" panose="020B0503020204020204" pitchFamily="34" charset="-122"/>
-            </a:endParaRPr>
           </a:p>
         </p:txBody>
       </p:sp>
@@ -18472,7 +18718,7 @@
           <a:lstStyle/>
           <a:p>
             <a:r>
-              <a:rPr lang="en-US" altLang="zh-CN" sz="2400" dirty="0" smtClean="0">
+              <a:rPr lang="en-US" altLang="zh-CN" sz="2400" dirty="0">
                 <a:solidFill>
                   <a:schemeClr val="bg1"/>
                 </a:solidFill>
@@ -18482,7 +18728,7 @@
               <a:t>VPS</a:t>
             </a:r>
             <a:r>
-              <a:rPr lang="zh-CN" altLang="en-US" sz="2400" dirty="0" smtClean="0">
+              <a:rPr lang="zh-CN" altLang="en-US" sz="2400" dirty="0">
                 <a:solidFill>
                   <a:schemeClr val="bg1"/>
                 </a:solidFill>
@@ -18491,13 +18737,6 @@
               </a:rPr>
               <a:t>主机</a:t>
             </a:r>
-            <a:endParaRPr lang="zh-CN" altLang="en-US" sz="2400" dirty="0">
-              <a:solidFill>
-                <a:schemeClr val="bg1"/>
-              </a:solidFill>
-              <a:latin typeface="微软雅黑" panose="020B0503020204020204" pitchFamily="34" charset="-122"/>
-              <a:ea typeface="微软雅黑" panose="020B0503020204020204" pitchFamily="34" charset="-122"/>
-            </a:endParaRPr>
           </a:p>
         </p:txBody>
       </p:sp>
@@ -18564,7 +18803,7 @@
           <a:lstStyle/>
           <a:p>
             <a:r>
-              <a:rPr lang="zh-CN" altLang="en-US" sz="2400" dirty="0" smtClean="0">
+              <a:rPr lang="zh-CN" altLang="en-US" sz="2400" dirty="0">
                 <a:solidFill>
                   <a:schemeClr val="bg1"/>
                 </a:solidFill>
@@ -18573,13 +18812,6 @@
               </a:rPr>
               <a:t>独立主机</a:t>
             </a:r>
-            <a:endParaRPr lang="zh-CN" altLang="en-US" sz="2400" dirty="0">
-              <a:solidFill>
-                <a:schemeClr val="bg1"/>
-              </a:solidFill>
-              <a:latin typeface="微软雅黑" panose="020B0503020204020204" pitchFamily="34" charset="-122"/>
-              <a:ea typeface="微软雅黑" panose="020B0503020204020204" pitchFamily="34" charset="-122"/>
-            </a:endParaRPr>
           </a:p>
         </p:txBody>
       </p:sp>
@@ -18606,7 +18838,7 @@
           <a:lstStyle/>
           <a:p>
             <a:r>
-              <a:rPr lang="zh-CN" altLang="en-US" sz="2400" dirty="0" smtClean="0">
+              <a:rPr lang="zh-CN" altLang="en-US" sz="2400" dirty="0">
                 <a:solidFill>
                   <a:schemeClr val="bg1"/>
                 </a:solidFill>
@@ -18615,13 +18847,6 @@
               </a:rPr>
               <a:t>云主机</a:t>
             </a:r>
-            <a:endParaRPr lang="zh-CN" altLang="en-US" sz="2400" dirty="0">
-              <a:solidFill>
-                <a:schemeClr val="bg1"/>
-              </a:solidFill>
-              <a:latin typeface="微软雅黑" panose="020B0503020204020204" pitchFamily="34" charset="-122"/>
-              <a:ea typeface="微软雅黑" panose="020B0503020204020204" pitchFamily="34" charset="-122"/>
-            </a:endParaRPr>
           </a:p>
         </p:txBody>
       </p:sp>
@@ -18707,13 +18932,6 @@
   <p:clrMapOvr>
     <a:masterClrMapping/>
   </p:clrMapOvr>
-  <p:timing>
-    <p:tnLst>
-      <p:par>
-        <p:cTn id="1" dur="indefinite" restart="never" nodeType="tmRoot"/>
-      </p:par>
-    </p:tnLst>
-  </p:timing>
 </p:sld>
 </file>
 
@@ -18750,10 +18968,9 @@
           <a:lstStyle/>
           <a:p>
             <a:r>
-              <a:rPr lang="zh-CN" altLang="en-US" dirty="0" smtClean="0"/>
+              <a:rPr lang="zh-CN" altLang="en-US" b="0" dirty="0"/>
               <a:t>虚拟主机</a:t>
             </a:r>
-            <a:endParaRPr lang="zh-CN" altLang="en-US" dirty="0"/>
           </a:p>
         </p:txBody>
       </p:sp>
@@ -18787,20 +19004,13 @@
               <a:buChar char="•"/>
             </a:pPr>
             <a:r>
-              <a:rPr lang="zh-CN" altLang="en-US" sz="2000" dirty="0" smtClean="0">
-                <a:latin typeface="微软雅黑" panose="020B0503020204020204" pitchFamily="34" charset="-122"/>
-                <a:ea typeface="微软雅黑" panose="020B0503020204020204" pitchFamily="34" charset="-122"/>
-              </a:rPr>
-              <a:t>把一台或一组服务器分为多个虚拟的服务器，每一个具有独立的存储空间</a:t>
-            </a:r>
-            <a:r>
               <a:rPr lang="zh-CN" altLang="en-US" sz="2000" dirty="0">
                 <a:latin typeface="微软雅黑" panose="020B0503020204020204" pitchFamily="34" charset="-122"/>
                 <a:ea typeface="微软雅黑" panose="020B0503020204020204" pitchFamily="34" charset="-122"/>
               </a:rPr>
-              <a:t>。</a:t>
-            </a:r>
-            <a:endParaRPr lang="en-US" altLang="zh-CN" sz="2000" dirty="0" smtClean="0">
+              <a:t>把一台或一组服务器分为多个虚拟的服务器，每一个具有独立的存储空间。</a:t>
+            </a:r>
+            <a:endParaRPr lang="en-US" altLang="zh-CN" sz="2000" dirty="0">
               <a:latin typeface="微软雅黑" panose="020B0503020204020204" pitchFamily="34" charset="-122"/>
               <a:ea typeface="微软雅黑" panose="020B0503020204020204" pitchFamily="34" charset="-122"/>
             </a:endParaRPr>
@@ -18818,30 +19028,23 @@
                 <a:latin typeface="微软雅黑" panose="020B0503020204020204" pitchFamily="34" charset="-122"/>
                 <a:ea typeface="微软雅黑" panose="020B0503020204020204" pitchFamily="34" charset="-122"/>
               </a:rPr>
-              <a:t>多</a:t>
-            </a:r>
-            <a:r>
-              <a:rPr lang="zh-CN" altLang="en-US" sz="2000" dirty="0" smtClean="0">
-                <a:latin typeface="微软雅黑" panose="020B0503020204020204" pitchFamily="34" charset="-122"/>
-                <a:ea typeface="微软雅黑" panose="020B0503020204020204" pitchFamily="34" charset="-122"/>
-              </a:rPr>
-              <a:t>个虚拟主机共享一个</a:t>
-            </a:r>
-            <a:r>
-              <a:rPr lang="en-US" altLang="zh-CN" sz="2000" dirty="0" smtClean="0">
+              <a:t>多个虚拟主机共享一个</a:t>
+            </a:r>
+            <a:r>
+              <a:rPr lang="en-US" altLang="zh-CN" sz="2000" dirty="0">
                 <a:latin typeface="微软雅黑" panose="020B0503020204020204" pitchFamily="34" charset="-122"/>
                 <a:ea typeface="微软雅黑" panose="020B0503020204020204" pitchFamily="34" charset="-122"/>
               </a:rPr>
               <a:t>IP</a:t>
             </a:r>
             <a:r>
-              <a:rPr lang="zh-CN" altLang="en-US" sz="2000" dirty="0" smtClean="0">
+              <a:rPr lang="zh-CN" altLang="en-US" sz="2000" dirty="0">
                 <a:latin typeface="微软雅黑" panose="020B0503020204020204" pitchFamily="34" charset="-122"/>
                 <a:ea typeface="微软雅黑" panose="020B0503020204020204" pitchFamily="34" charset="-122"/>
               </a:rPr>
               <a:t>。</a:t>
             </a:r>
-            <a:endParaRPr lang="en-US" altLang="zh-CN" sz="2000" dirty="0" smtClean="0">
+            <a:endParaRPr lang="en-US" altLang="zh-CN" sz="2000" dirty="0">
               <a:latin typeface="微软雅黑" panose="020B0503020204020204" pitchFamily="34" charset="-122"/>
               <a:ea typeface="微软雅黑" panose="020B0503020204020204" pitchFamily="34" charset="-122"/>
             </a:endParaRPr>
@@ -18855,41 +19058,27 @@
               <a:buChar char="•"/>
             </a:pPr>
             <a:r>
-              <a:rPr lang="zh-CN" altLang="en-US" sz="2000" dirty="0" smtClean="0">
+              <a:rPr lang="zh-CN" altLang="en-US" sz="2000" dirty="0">
                 <a:latin typeface="微软雅黑" panose="020B0503020204020204" pitchFamily="34" charset="-122"/>
                 <a:ea typeface="微软雅黑" panose="020B0503020204020204" pitchFamily="34" charset="-122"/>
               </a:rPr>
               <a:t>用户注册申请后，通过</a:t>
             </a:r>
             <a:r>
-              <a:rPr lang="en-US" altLang="zh-CN" sz="2000" dirty="0" smtClean="0">
+              <a:rPr lang="en-US" altLang="zh-CN" sz="2000" dirty="0">
                 <a:latin typeface="微软雅黑" panose="020B0503020204020204" pitchFamily="34" charset="-122"/>
                 <a:ea typeface="微软雅黑" panose="020B0503020204020204" pitchFamily="34" charset="-122"/>
               </a:rPr>
               <a:t>ftp</a:t>
             </a:r>
             <a:r>
-              <a:rPr lang="zh-CN" altLang="en-US" sz="2000" dirty="0" smtClean="0">
-                <a:latin typeface="微软雅黑" panose="020B0503020204020204" pitchFamily="34" charset="-122"/>
-                <a:ea typeface="微软雅黑" panose="020B0503020204020204" pitchFamily="34" charset="-122"/>
-              </a:rPr>
-              <a:t>上传网站文件</a:t>
-            </a:r>
-            <a:r>
               <a:rPr lang="zh-CN" altLang="en-US" sz="2000" dirty="0">
                 <a:latin typeface="微软雅黑" panose="020B0503020204020204" pitchFamily="34" charset="-122"/>
                 <a:ea typeface="微软雅黑" panose="020B0503020204020204" pitchFamily="34" charset="-122"/>
               </a:rPr>
-              <a:t>，</a:t>
-            </a:r>
-            <a:r>
-              <a:rPr lang="zh-CN" altLang="en-US" sz="2000" dirty="0" smtClean="0">
-                <a:latin typeface="微软雅黑" panose="020B0503020204020204" pitchFamily="34" charset="-122"/>
-                <a:ea typeface="微软雅黑" panose="020B0503020204020204" pitchFamily="34" charset="-122"/>
-              </a:rPr>
-              <a:t>用户操作有限。</a:t>
-            </a:r>
-            <a:endParaRPr lang="en-US" altLang="zh-CN" sz="2000" dirty="0" smtClean="0">
+              <a:t>上传网站文件，用户操作有限。</a:t>
+            </a:r>
+            <a:endParaRPr lang="en-US" altLang="zh-CN" sz="2000" dirty="0">
               <a:latin typeface="微软雅黑" panose="020B0503020204020204" pitchFamily="34" charset="-122"/>
               <a:ea typeface="微软雅黑" panose="020B0503020204020204" pitchFamily="34" charset="-122"/>
             </a:endParaRPr>
@@ -18907,16 +19096,9 @@
                 <a:latin typeface="微软雅黑" panose="020B0503020204020204" pitchFamily="34" charset="-122"/>
                 <a:ea typeface="微软雅黑" panose="020B0503020204020204" pitchFamily="34" charset="-122"/>
               </a:rPr>
-              <a:t>配置</a:t>
-            </a:r>
-            <a:r>
-              <a:rPr lang="zh-CN" altLang="en-US" sz="2000" dirty="0" smtClean="0">
-                <a:latin typeface="微软雅黑" panose="020B0503020204020204" pitchFamily="34" charset="-122"/>
-                <a:ea typeface="微软雅黑" panose="020B0503020204020204" pitchFamily="34" charset="-122"/>
-              </a:rPr>
-              <a:t>使用简单，能够快速建站，适合小型官网或是个人主页。</a:t>
-            </a:r>
-            <a:endParaRPr lang="en-US" altLang="zh-CN" sz="2000" dirty="0" smtClean="0">
+              <a:t>配置使用简单，能够快速建站，适合小型官网或是个人主页。</a:t>
+            </a:r>
+            <a:endParaRPr lang="en-US" altLang="zh-CN" sz="2000" dirty="0">
               <a:latin typeface="微软雅黑" panose="020B0503020204020204" pitchFamily="34" charset="-122"/>
               <a:ea typeface="微软雅黑" panose="020B0503020204020204" pitchFamily="34" charset="-122"/>
             </a:endParaRPr>
@@ -18934,16 +19116,9 @@
                 <a:latin typeface="微软雅黑" panose="020B0503020204020204" pitchFamily="34" charset="-122"/>
                 <a:ea typeface="微软雅黑" panose="020B0503020204020204" pitchFamily="34" charset="-122"/>
               </a:rPr>
-              <a:t>只</a:t>
-            </a:r>
-            <a:r>
-              <a:rPr lang="zh-CN" altLang="en-US" sz="2000" dirty="0" smtClean="0">
-                <a:latin typeface="微软雅黑" panose="020B0503020204020204" pitchFamily="34" charset="-122"/>
-                <a:ea typeface="微软雅黑" panose="020B0503020204020204" pitchFamily="34" charset="-122"/>
-              </a:rPr>
-              <a:t>支持有限的配置升级。</a:t>
-            </a:r>
-            <a:endParaRPr lang="en-US" altLang="zh-CN" sz="2000" dirty="0" smtClean="0">
+              <a:t>只支持有限的配置升级。</a:t>
+            </a:r>
+            <a:endParaRPr lang="en-US" altLang="zh-CN" sz="2000" dirty="0">
               <a:latin typeface="微软雅黑" panose="020B0503020204020204" pitchFamily="34" charset="-122"/>
               <a:ea typeface="微软雅黑" panose="020B0503020204020204" pitchFamily="34" charset="-122"/>
             </a:endParaRPr>
@@ -18961,16 +19136,9 @@
                 <a:latin typeface="微软雅黑" panose="020B0503020204020204" pitchFamily="34" charset="-122"/>
                 <a:ea typeface="微软雅黑" panose="020B0503020204020204" pitchFamily="34" charset="-122"/>
               </a:rPr>
-              <a:t>子</a:t>
-            </a:r>
-            <a:r>
-              <a:rPr lang="zh-CN" altLang="en-US" sz="2000" dirty="0" smtClean="0">
-                <a:latin typeface="微软雅黑" panose="020B0503020204020204" pitchFamily="34" charset="-122"/>
-                <a:ea typeface="微软雅黑" panose="020B0503020204020204" pitchFamily="34" charset="-122"/>
-              </a:rPr>
-              <a:t>域名映射目录实现多个服务器。</a:t>
-            </a:r>
-            <a:endParaRPr lang="en-US" altLang="zh-CN" sz="2000" dirty="0" smtClean="0">
+              <a:t>子域名映射目录实现多个服务器。</a:t>
+            </a:r>
+            <a:endParaRPr lang="en-US" altLang="zh-CN" sz="2000" dirty="0">
               <a:latin typeface="微软雅黑" panose="020B0503020204020204" pitchFamily="34" charset="-122"/>
               <a:ea typeface="微软雅黑" panose="020B0503020204020204" pitchFamily="34" charset="-122"/>
             </a:endParaRPr>
@@ -18987,13 +19155,6 @@
   <p:clrMapOvr>
     <a:masterClrMapping/>
   </p:clrMapOvr>
-  <p:timing>
-    <p:tnLst>
-      <p:par>
-        <p:cTn id="1" dur="indefinite" restart="never" nodeType="tmRoot"/>
-      </p:par>
-    </p:tnLst>
-  </p:timing>
 </p:sld>
 </file>
 
